--- a/Bachelorarbeitsbesuch/Präsentation.pptx
+++ b/Bachelorarbeitsbesuch/Präsentation.pptx
@@ -20,6 +20,9 @@
     <p:sldId id="269" r:id="rId14"/>
     <p:sldId id="270" r:id="rId15"/>
     <p:sldId id="272" r:id="rId16"/>
+    <p:sldId id="273" r:id="rId17"/>
+    <p:sldId id="274" r:id="rId18"/>
+    <p:sldId id="275" r:id="rId19"/>
   </p:sldIdLst>
   <p:sldSz cx="12192000" cy="6858000"/>
   <p:notesSz cx="6858000" cy="9144000"/>
@@ -131,7 +134,8 @@
   <p1510:revLst>
     <p1510:client id="{1F0D5F9F-9DCC-189A-D796-06AD919444A5}" v="708" dt="2021-12-13T15:15:56.340"/>
     <p1510:client id="{4455359E-C1C1-7527-595A-A81BC513A2EE}" v="651" dt="2021-12-13T17:33:23.091"/>
-    <p1510:client id="{54468AAE-0B65-C872-6008-744EFB369302}" v="147" dt="2021-12-14T09:33:23.944"/>
+    <p1510:client id="{54468AAE-0B65-C872-6008-744EFB369302}" v="148" dt="2021-12-14T09:45:11.037"/>
+    <p1510:client id="{A8AA6ADC-CA29-493A-8FE6-F13707B118A8}" v="702" dt="2021-12-14T10:45:10.097"/>
     <p1510:client id="{BD9C0A6E-4138-DA67-4E7C-E995AA9C7EE2}" v="2226" dt="2021-12-13T17:00:31.691"/>
   </p1510:revLst>
 </p1510:revInfo>
@@ -4426,7 +4430,7 @@
         </p:blipFill>
         <p:spPr>
           <a:xfrm>
-            <a:off x="1785257" y="1655990"/>
+            <a:off x="2267110" y="1644784"/>
             <a:ext cx="7663542" cy="4308021"/>
           </a:xfrm>
           <a:prstGeom prst="rect">
@@ -6198,10 +6202,1632 @@
           </a:p>
         </p:txBody>
       </p:sp>
+      <p:pic>
+        <p:nvPicPr>
+          <p:cNvPr id="3" name="Picture 9" descr="A picture containing treemap chart&#10;&#10;Description automatically generated">
+            <a:extLst>
+              <a:ext uri="{FF2B5EF4-FFF2-40B4-BE49-F238E27FC236}">
+                <a16:creationId xmlns:a16="http://schemas.microsoft.com/office/drawing/2014/main" id="{53F792DE-485D-4E15-8C2E-48FDCAAC9AC8}"/>
+              </a:ext>
+            </a:extLst>
+          </p:cNvPr>
+          <p:cNvPicPr>
+            <a:picLocks noChangeAspect="1"/>
+          </p:cNvPicPr>
+          <p:nvPr/>
+        </p:nvPicPr>
+        <p:blipFill>
+          <a:blip r:embed="rId5"/>
+          <a:stretch>
+            <a:fillRect/>
+          </a:stretch>
+        </p:blipFill>
+        <p:spPr>
+          <a:xfrm>
+            <a:off x="2270313" y="2113082"/>
+            <a:ext cx="7326405" cy="4077394"/>
+          </a:xfrm>
+          <a:prstGeom prst="rect">
+            <a:avLst/>
+          </a:prstGeom>
+        </p:spPr>
+      </p:pic>
     </p:spTree>
     <p:extLst>
       <p:ext uri="{BB962C8B-B14F-4D97-AF65-F5344CB8AC3E}">
         <p14:creationId xmlns:p14="http://schemas.microsoft.com/office/powerpoint/2010/main" val="672542536"/>
+      </p:ext>
+    </p:extLst>
+  </p:cSld>
+  <p:clrMapOvr>
+    <a:masterClrMapping/>
+  </p:clrMapOvr>
+</p:sld>
+</file>
+
+<file path=ppt/slides/slide16.xml><?xml version="1.0" encoding="utf-8"?>
+<p:sld xmlns:a="http://schemas.openxmlformats.org/drawingml/2006/main" xmlns:r="http://schemas.openxmlformats.org/officeDocument/2006/relationships" xmlns:p="http://schemas.openxmlformats.org/presentationml/2006/main">
+  <p:cSld>
+    <p:spTree>
+      <p:nvGrpSpPr>
+        <p:cNvPr id="1" name=""/>
+        <p:cNvGrpSpPr/>
+        <p:nvPr/>
+      </p:nvGrpSpPr>
+      <p:grpSpPr>
+        <a:xfrm>
+          <a:off x="0" y="0"/>
+          <a:ext cx="0" cy="0"/>
+          <a:chOff x="0" y="0"/>
+          <a:chExt cx="0" cy="0"/>
+        </a:xfrm>
+      </p:grpSpPr>
+      <p:sp>
+        <p:nvSpPr>
+          <p:cNvPr id="4" name="Rectangle 3">
+            <a:extLst>
+              <a:ext uri="{FF2B5EF4-FFF2-40B4-BE49-F238E27FC236}">
+                <a16:creationId xmlns:a16="http://schemas.microsoft.com/office/drawing/2014/main" id="{77667538-60D2-47CA-A93E-9D0A7ADFB8BE}"/>
+              </a:ext>
+            </a:extLst>
+          </p:cNvPr>
+          <p:cNvSpPr/>
+          <p:nvPr/>
+        </p:nvSpPr>
+        <p:spPr>
+          <a:xfrm>
+            <a:off x="2875" y="6479875"/>
+            <a:ext cx="12191999" cy="373811"/>
+          </a:xfrm>
+          <a:prstGeom prst="rect">
+            <a:avLst/>
+          </a:prstGeom>
+          <a:solidFill>
+            <a:schemeClr val="tx1">
+              <a:lumMod val="65000"/>
+              <a:lumOff val="35000"/>
+            </a:schemeClr>
+          </a:solidFill>
+          <a:ln>
+            <a:solidFill>
+              <a:schemeClr val="bg1">
+                <a:lumMod val="50000"/>
+              </a:schemeClr>
+            </a:solidFill>
+          </a:ln>
+        </p:spPr>
+        <p:style>
+          <a:lnRef idx="2">
+            <a:schemeClr val="accent1">
+              <a:shade val="50000"/>
+            </a:schemeClr>
+          </a:lnRef>
+          <a:fillRef idx="1">
+            <a:schemeClr val="accent1"/>
+          </a:fillRef>
+          <a:effectRef idx="0">
+            <a:schemeClr val="accent1"/>
+          </a:effectRef>
+          <a:fontRef idx="minor">
+            <a:schemeClr val="lt1"/>
+          </a:fontRef>
+        </p:style>
+        <p:txBody>
+          <a:bodyPr rtlCol="0" anchor="ctr"/>
+          <a:lstStyle/>
+          <a:p>
+            <a:pPr algn="ctr"/>
+            <a:endParaRPr lang="en-US" dirty="0">
+              <a:cs typeface="Calibri"/>
+            </a:endParaRPr>
+          </a:p>
+        </p:txBody>
+      </p:sp>
+      <p:sp>
+        <p:nvSpPr>
+          <p:cNvPr id="5" name="Rectangle 4">
+            <a:extLst>
+              <a:ext uri="{FF2B5EF4-FFF2-40B4-BE49-F238E27FC236}">
+                <a16:creationId xmlns:a16="http://schemas.microsoft.com/office/drawing/2014/main" id="{738D9316-9815-46FD-B099-B3EDEF130533}"/>
+              </a:ext>
+            </a:extLst>
+          </p:cNvPr>
+          <p:cNvSpPr/>
+          <p:nvPr/>
+        </p:nvSpPr>
+        <p:spPr>
+          <a:xfrm>
+            <a:off x="1977" y="1116222"/>
+            <a:ext cx="12191999" cy="100643"/>
+          </a:xfrm>
+          <a:prstGeom prst="rect">
+            <a:avLst/>
+          </a:prstGeom>
+          <a:solidFill>
+            <a:schemeClr val="accent1">
+              <a:lumMod val="50000"/>
+            </a:schemeClr>
+          </a:solidFill>
+        </p:spPr>
+        <p:style>
+          <a:lnRef idx="2">
+            <a:schemeClr val="accent1">
+              <a:shade val="50000"/>
+            </a:schemeClr>
+          </a:lnRef>
+          <a:fillRef idx="1">
+            <a:schemeClr val="accent1"/>
+          </a:fillRef>
+          <a:effectRef idx="0">
+            <a:schemeClr val="accent1"/>
+          </a:effectRef>
+          <a:fontRef idx="minor">
+            <a:schemeClr val="lt1"/>
+          </a:fontRef>
+        </p:style>
+        <p:txBody>
+          <a:bodyPr rtlCol="0" anchor="ctr"/>
+          <a:lstStyle/>
+          <a:p>
+            <a:pPr algn="ctr"/>
+            <a:endParaRPr lang="en-US"/>
+          </a:p>
+        </p:txBody>
+      </p:sp>
+      <p:pic>
+        <p:nvPicPr>
+          <p:cNvPr id="6" name="Picture 6" descr="Logo&#10;&#10;Description automatically generated">
+            <a:extLst>
+              <a:ext uri="{FF2B5EF4-FFF2-40B4-BE49-F238E27FC236}">
+                <a16:creationId xmlns:a16="http://schemas.microsoft.com/office/drawing/2014/main" id="{76EDA464-FB4B-4AB8-8271-5BD01A6722F3}"/>
+              </a:ext>
+            </a:extLst>
+          </p:cNvPr>
+          <p:cNvPicPr>
+            <a:picLocks noChangeAspect="1"/>
+          </p:cNvPicPr>
+          <p:nvPr/>
+        </p:nvPicPr>
+        <p:blipFill>
+          <a:blip r:embed="rId2"/>
+          <a:stretch>
+            <a:fillRect/>
+          </a:stretch>
+        </p:blipFill>
+        <p:spPr>
+          <a:xfrm>
+            <a:off x="9138249" y="442749"/>
+            <a:ext cx="1161691" cy="322203"/>
+          </a:xfrm>
+          <a:prstGeom prst="rect">
+            <a:avLst/>
+          </a:prstGeom>
+        </p:spPr>
+      </p:pic>
+      <p:pic>
+        <p:nvPicPr>
+          <p:cNvPr id="7" name="Graphic 6">
+            <a:extLst>
+              <a:ext uri="{FF2B5EF4-FFF2-40B4-BE49-F238E27FC236}">
+                <a16:creationId xmlns:a16="http://schemas.microsoft.com/office/drawing/2014/main" id="{965220E7-50D9-45C0-92B9-2BEC8669BB7F}"/>
+              </a:ext>
+            </a:extLst>
+          </p:cNvPr>
+          <p:cNvPicPr>
+            <a:picLocks noChangeAspect="1"/>
+          </p:cNvPicPr>
+          <p:nvPr/>
+        </p:nvPicPr>
+        <p:blipFill>
+          <a:blip r:embed="rId3">
+            <a:extLst>
+              <a:ext uri="{96DAC541-7B7A-43D3-8B79-37D633B846F1}">
+                <asvg:svgBlip xmlns:asvg="http://schemas.microsoft.com/office/drawing/2016/SVG/main" r:embed="rId4"/>
+              </a:ext>
+            </a:extLst>
+          </a:blip>
+          <a:stretch>
+            <a:fillRect/>
+          </a:stretch>
+        </p:blipFill>
+        <p:spPr>
+          <a:xfrm>
+            <a:off x="10440401" y="236076"/>
+            <a:ext cx="1445542" cy="833866"/>
+          </a:xfrm>
+          <a:prstGeom prst="rect">
+            <a:avLst/>
+          </a:prstGeom>
+        </p:spPr>
+      </p:pic>
+      <p:sp>
+        <p:nvSpPr>
+          <p:cNvPr id="8" name="TextBox 7">
+            <a:extLst>
+              <a:ext uri="{FF2B5EF4-FFF2-40B4-BE49-F238E27FC236}">
+                <a16:creationId xmlns:a16="http://schemas.microsoft.com/office/drawing/2014/main" id="{EADE8422-AC70-4FEE-B034-15802AB22BC6}"/>
+              </a:ext>
+            </a:extLst>
+          </p:cNvPr>
+          <p:cNvSpPr txBox="1"/>
+          <p:nvPr/>
+        </p:nvSpPr>
+        <p:spPr>
+          <a:xfrm>
+            <a:off x="294376" y="236867"/>
+            <a:ext cx="8105954" cy="523220"/>
+          </a:xfrm>
+          <a:prstGeom prst="rect">
+            <a:avLst/>
+          </a:prstGeom>
+          <a:noFill/>
+        </p:spPr>
+        <p:txBody>
+          <a:bodyPr rot="0" spcFirstLastPara="0" vertOverflow="overflow" horzOverflow="overflow" vert="horz" wrap="square" lIns="91440" tIns="45720" rIns="91440" bIns="45720" numCol="1" spcCol="0" rtlCol="0" fromWordArt="0" anchor="t" anchorCtr="0" forceAA="0" compatLnSpc="1">
+            <a:prstTxWarp prst="textNoShape">
+              <a:avLst/>
+            </a:prstTxWarp>
+            <a:spAutoFit/>
+          </a:bodyPr>
+          <a:lstStyle/>
+          <a:p>
+            <a:r>
+              <a:rPr lang="de-DE" sz="2800" dirty="0">
+                <a:solidFill>
+                  <a:srgbClr val="C00000"/>
+                </a:solidFill>
+                <a:cs typeface="Calibri"/>
+              </a:rPr>
+              <a:t>6. Welche Aspekte sollen untersucht werden?</a:t>
+            </a:r>
+          </a:p>
+        </p:txBody>
+      </p:sp>
+      <p:sp>
+        <p:nvSpPr>
+          <p:cNvPr id="9" name="TextBox 8">
+            <a:extLst>
+              <a:ext uri="{FF2B5EF4-FFF2-40B4-BE49-F238E27FC236}">
+                <a16:creationId xmlns:a16="http://schemas.microsoft.com/office/drawing/2014/main" id="{8297F85A-00B1-4007-A154-51DD613C8FC2}"/>
+              </a:ext>
+            </a:extLst>
+          </p:cNvPr>
+          <p:cNvSpPr txBox="1"/>
+          <p:nvPr/>
+        </p:nvSpPr>
+        <p:spPr>
+          <a:xfrm>
+            <a:off x="577787" y="1795277"/>
+            <a:ext cx="11124996" cy="480131"/>
+          </a:xfrm>
+          <a:prstGeom prst="rect">
+            <a:avLst/>
+          </a:prstGeom>
+          <a:noFill/>
+        </p:spPr>
+        <p:txBody>
+          <a:bodyPr rot="0" spcFirstLastPara="0" vertOverflow="overflow" horzOverflow="overflow" vert="horz" wrap="square" lIns="91440" tIns="45720" rIns="91440" bIns="45720" numCol="1" spcCol="0" rtlCol="0" fromWordArt="0" anchor="t" anchorCtr="0" forceAA="0" compatLnSpc="1">
+            <a:prstTxWarp prst="textNoShape">
+              <a:avLst/>
+            </a:prstTxWarp>
+            <a:spAutoFit/>
+          </a:bodyPr>
+          <a:lstStyle/>
+          <a:p>
+            <a:pPr>
+              <a:lnSpc>
+                <a:spcPct val="90000"/>
+              </a:lnSpc>
+              <a:spcBef>
+                <a:spcPts val="1000"/>
+              </a:spcBef>
+            </a:pPr>
+            <a:r>
+              <a:rPr lang="de-DE" sz="2800" dirty="0">
+                <a:solidFill>
+                  <a:srgbClr val="002060"/>
+                </a:solidFill>
+                <a:cs typeface="Calibri"/>
+              </a:rPr>
+              <a:t>Cloud Service Provider die untersucht werden sollen:</a:t>
+            </a:r>
+          </a:p>
+        </p:txBody>
+      </p:sp>
+      <p:sp>
+        <p:nvSpPr>
+          <p:cNvPr id="18" name="Slide Number Placeholder 17">
+            <a:extLst>
+              <a:ext uri="{FF2B5EF4-FFF2-40B4-BE49-F238E27FC236}">
+                <a16:creationId xmlns:a16="http://schemas.microsoft.com/office/drawing/2014/main" id="{D22FE225-8B88-40FF-8EF4-264E17A1B34D}"/>
+              </a:ext>
+            </a:extLst>
+          </p:cNvPr>
+          <p:cNvSpPr>
+            <a:spLocks noGrp="1"/>
+          </p:cNvSpPr>
+          <p:nvPr>
+            <p:ph type="sldNum" sz="quarter" idx="12"/>
+          </p:nvPr>
+        </p:nvSpPr>
+        <p:spPr>
+          <a:xfrm>
+            <a:off x="9444487" y="6485746"/>
+            <a:ext cx="2743200" cy="365125"/>
+          </a:xfrm>
+        </p:spPr>
+        <p:txBody>
+          <a:bodyPr/>
+          <a:lstStyle/>
+          <a:p>
+            <a:fld id="{330EA680-D336-4FF7-8B7A-9848BB0A1C32}" type="slidenum">
+              <a:rPr lang="en-US" sz="1800" dirty="0" smtClean="0">
+                <a:solidFill>
+                  <a:schemeClr val="bg1"/>
+                </a:solidFill>
+              </a:rPr>
+              <a:t>16</a:t>
+            </a:fld>
+            <a:endParaRPr lang="en-US" sz="1400">
+              <a:solidFill>
+                <a:schemeClr val="bg1"/>
+              </a:solidFill>
+              <a:cs typeface="Calibri"/>
+            </a:endParaRPr>
+          </a:p>
+        </p:txBody>
+      </p:sp>
+      <p:sp>
+        <p:nvSpPr>
+          <p:cNvPr id="17" name="Footer Placeholder 16">
+            <a:extLst>
+              <a:ext uri="{FF2B5EF4-FFF2-40B4-BE49-F238E27FC236}">
+                <a16:creationId xmlns:a16="http://schemas.microsoft.com/office/drawing/2014/main" id="{165A3098-C740-4F5D-8D74-C6787BFA1406}"/>
+              </a:ext>
+            </a:extLst>
+          </p:cNvPr>
+          <p:cNvSpPr>
+            <a:spLocks noGrp="1"/>
+          </p:cNvSpPr>
+          <p:nvPr>
+            <p:ph type="ftr" sz="quarter" idx="11"/>
+          </p:nvPr>
+        </p:nvSpPr>
+        <p:spPr>
+          <a:xfrm>
+            <a:off x="127958" y="6485746"/>
+            <a:ext cx="9146875" cy="365125"/>
+          </a:xfrm>
+        </p:spPr>
+        <p:txBody>
+          <a:bodyPr/>
+          <a:lstStyle/>
+          <a:p>
+            <a:pPr algn="l"/>
+            <a:r>
+              <a:rPr lang="en-US" sz="1800" dirty="0">
+                <a:solidFill>
+                  <a:schemeClr val="bg1"/>
+                </a:solidFill>
+              </a:rPr>
+              <a:t>Julian </a:t>
+            </a:r>
+            <a:r>
+              <a:rPr lang="en-US" sz="1800" dirty="0" err="1">
+                <a:solidFill>
+                  <a:schemeClr val="bg1"/>
+                </a:solidFill>
+              </a:rPr>
+              <a:t>Schallenmüller</a:t>
+            </a:r>
+            <a:r>
+              <a:rPr lang="en-US" sz="1800" dirty="0">
+                <a:solidFill>
+                  <a:schemeClr val="bg1"/>
+                </a:solidFill>
+              </a:rPr>
+              <a:t>                                                                 14.12.2021</a:t>
+            </a:r>
+            <a:endParaRPr lang="en-US" sz="1800" dirty="0">
+              <a:solidFill>
+                <a:schemeClr val="bg1"/>
+              </a:solidFill>
+              <a:cs typeface="Calibri"/>
+            </a:endParaRPr>
+          </a:p>
+        </p:txBody>
+      </p:sp>
+      <p:pic>
+        <p:nvPicPr>
+          <p:cNvPr id="3" name="Picture 9" descr="Logo, company name&#10;&#10;Description automatically generated">
+            <a:extLst>
+              <a:ext uri="{FF2B5EF4-FFF2-40B4-BE49-F238E27FC236}">
+                <a16:creationId xmlns:a16="http://schemas.microsoft.com/office/drawing/2014/main" id="{D4336FF2-B1E4-4A81-B08B-F33B8C8C7144}"/>
+              </a:ext>
+            </a:extLst>
+          </p:cNvPr>
+          <p:cNvPicPr>
+            <a:picLocks noChangeAspect="1"/>
+          </p:cNvPicPr>
+          <p:nvPr/>
+        </p:nvPicPr>
+        <p:blipFill>
+          <a:blip r:embed="rId5"/>
+          <a:stretch>
+            <a:fillRect/>
+          </a:stretch>
+        </p:blipFill>
+        <p:spPr>
+          <a:xfrm>
+            <a:off x="4298577" y="2791945"/>
+            <a:ext cx="3908611" cy="2204196"/>
+          </a:xfrm>
+          <a:prstGeom prst="rect">
+            <a:avLst/>
+          </a:prstGeom>
+        </p:spPr>
+      </p:pic>
+      <p:pic>
+        <p:nvPicPr>
+          <p:cNvPr id="11" name="Picture 11" descr="Logo&#10;&#10;Description automatically generated">
+            <a:extLst>
+              <a:ext uri="{FF2B5EF4-FFF2-40B4-BE49-F238E27FC236}">
+                <a16:creationId xmlns:a16="http://schemas.microsoft.com/office/drawing/2014/main" id="{EA0A3CDA-4F4F-443A-A633-AD28F7665A7F}"/>
+              </a:ext>
+            </a:extLst>
+          </p:cNvPr>
+          <p:cNvPicPr>
+            <a:picLocks noChangeAspect="1"/>
+          </p:cNvPicPr>
+          <p:nvPr/>
+        </p:nvPicPr>
+        <p:blipFill>
+          <a:blip r:embed="rId6"/>
+          <a:stretch>
+            <a:fillRect/>
+          </a:stretch>
+        </p:blipFill>
+        <p:spPr>
+          <a:xfrm>
+            <a:off x="8265459" y="2528047"/>
+            <a:ext cx="2743200" cy="2743200"/>
+          </a:xfrm>
+          <a:prstGeom prst="rect">
+            <a:avLst/>
+          </a:prstGeom>
+        </p:spPr>
+      </p:pic>
+      <p:pic>
+        <p:nvPicPr>
+          <p:cNvPr id="12" name="Picture 12" descr="A picture containing text, vector graphics, tableware, plate&#10;&#10;Description automatically generated">
+            <a:extLst>
+              <a:ext uri="{FF2B5EF4-FFF2-40B4-BE49-F238E27FC236}">
+                <a16:creationId xmlns:a16="http://schemas.microsoft.com/office/drawing/2014/main" id="{163144D6-811E-43A7-9AD8-0260D80FD013}"/>
+              </a:ext>
+            </a:extLst>
+          </p:cNvPr>
+          <p:cNvPicPr>
+            <a:picLocks noChangeAspect="1"/>
+          </p:cNvPicPr>
+          <p:nvPr/>
+        </p:nvPicPr>
+        <p:blipFill>
+          <a:blip r:embed="rId7"/>
+          <a:stretch>
+            <a:fillRect/>
+          </a:stretch>
+        </p:blipFill>
+        <p:spPr>
+          <a:xfrm>
+            <a:off x="1149723" y="3289599"/>
+            <a:ext cx="2743200" cy="1645920"/>
+          </a:xfrm>
+          <a:prstGeom prst="rect">
+            <a:avLst/>
+          </a:prstGeom>
+        </p:spPr>
+      </p:pic>
+    </p:spTree>
+    <p:extLst>
+      <p:ext uri="{BB962C8B-B14F-4D97-AF65-F5344CB8AC3E}">
+        <p14:creationId xmlns:p14="http://schemas.microsoft.com/office/powerpoint/2010/main" val="1645017562"/>
+      </p:ext>
+    </p:extLst>
+  </p:cSld>
+  <p:clrMapOvr>
+    <a:masterClrMapping/>
+  </p:clrMapOvr>
+</p:sld>
+</file>
+
+<file path=ppt/slides/slide17.xml><?xml version="1.0" encoding="utf-8"?>
+<p:sld xmlns:a="http://schemas.openxmlformats.org/drawingml/2006/main" xmlns:r="http://schemas.openxmlformats.org/officeDocument/2006/relationships" xmlns:p="http://schemas.openxmlformats.org/presentationml/2006/main">
+  <p:cSld>
+    <p:spTree>
+      <p:nvGrpSpPr>
+        <p:cNvPr id="1" name=""/>
+        <p:cNvGrpSpPr/>
+        <p:nvPr/>
+      </p:nvGrpSpPr>
+      <p:grpSpPr>
+        <a:xfrm>
+          <a:off x="0" y="0"/>
+          <a:ext cx="0" cy="0"/>
+          <a:chOff x="0" y="0"/>
+          <a:chExt cx="0" cy="0"/>
+        </a:xfrm>
+      </p:grpSpPr>
+      <p:sp>
+        <p:nvSpPr>
+          <p:cNvPr id="4" name="Rectangle 3">
+            <a:extLst>
+              <a:ext uri="{FF2B5EF4-FFF2-40B4-BE49-F238E27FC236}">
+                <a16:creationId xmlns:a16="http://schemas.microsoft.com/office/drawing/2014/main" id="{77667538-60D2-47CA-A93E-9D0A7ADFB8BE}"/>
+              </a:ext>
+            </a:extLst>
+          </p:cNvPr>
+          <p:cNvSpPr/>
+          <p:nvPr/>
+        </p:nvSpPr>
+        <p:spPr>
+          <a:xfrm>
+            <a:off x="2875" y="6479875"/>
+            <a:ext cx="12191999" cy="373811"/>
+          </a:xfrm>
+          <a:prstGeom prst="rect">
+            <a:avLst/>
+          </a:prstGeom>
+          <a:solidFill>
+            <a:schemeClr val="tx1">
+              <a:lumMod val="65000"/>
+              <a:lumOff val="35000"/>
+            </a:schemeClr>
+          </a:solidFill>
+          <a:ln>
+            <a:solidFill>
+              <a:schemeClr val="bg1">
+                <a:lumMod val="50000"/>
+              </a:schemeClr>
+            </a:solidFill>
+          </a:ln>
+        </p:spPr>
+        <p:style>
+          <a:lnRef idx="2">
+            <a:schemeClr val="accent1">
+              <a:shade val="50000"/>
+            </a:schemeClr>
+          </a:lnRef>
+          <a:fillRef idx="1">
+            <a:schemeClr val="accent1"/>
+          </a:fillRef>
+          <a:effectRef idx="0">
+            <a:schemeClr val="accent1"/>
+          </a:effectRef>
+          <a:fontRef idx="minor">
+            <a:schemeClr val="lt1"/>
+          </a:fontRef>
+        </p:style>
+        <p:txBody>
+          <a:bodyPr rtlCol="0" anchor="ctr"/>
+          <a:lstStyle/>
+          <a:p>
+            <a:pPr algn="ctr"/>
+            <a:endParaRPr lang="en-US" dirty="0">
+              <a:cs typeface="Calibri"/>
+            </a:endParaRPr>
+          </a:p>
+        </p:txBody>
+      </p:sp>
+      <p:sp>
+        <p:nvSpPr>
+          <p:cNvPr id="5" name="Rectangle 4">
+            <a:extLst>
+              <a:ext uri="{FF2B5EF4-FFF2-40B4-BE49-F238E27FC236}">
+                <a16:creationId xmlns:a16="http://schemas.microsoft.com/office/drawing/2014/main" id="{738D9316-9815-46FD-B099-B3EDEF130533}"/>
+              </a:ext>
+            </a:extLst>
+          </p:cNvPr>
+          <p:cNvSpPr/>
+          <p:nvPr/>
+        </p:nvSpPr>
+        <p:spPr>
+          <a:xfrm>
+            <a:off x="1977" y="1116222"/>
+            <a:ext cx="12191999" cy="100643"/>
+          </a:xfrm>
+          <a:prstGeom prst="rect">
+            <a:avLst/>
+          </a:prstGeom>
+          <a:solidFill>
+            <a:schemeClr val="accent1">
+              <a:lumMod val="50000"/>
+            </a:schemeClr>
+          </a:solidFill>
+        </p:spPr>
+        <p:style>
+          <a:lnRef idx="2">
+            <a:schemeClr val="accent1">
+              <a:shade val="50000"/>
+            </a:schemeClr>
+          </a:lnRef>
+          <a:fillRef idx="1">
+            <a:schemeClr val="accent1"/>
+          </a:fillRef>
+          <a:effectRef idx="0">
+            <a:schemeClr val="accent1"/>
+          </a:effectRef>
+          <a:fontRef idx="minor">
+            <a:schemeClr val="lt1"/>
+          </a:fontRef>
+        </p:style>
+        <p:txBody>
+          <a:bodyPr rtlCol="0" anchor="ctr"/>
+          <a:lstStyle/>
+          <a:p>
+            <a:pPr algn="ctr"/>
+            <a:endParaRPr lang="en-US"/>
+          </a:p>
+        </p:txBody>
+      </p:sp>
+      <p:pic>
+        <p:nvPicPr>
+          <p:cNvPr id="6" name="Picture 6" descr="Logo&#10;&#10;Description automatically generated">
+            <a:extLst>
+              <a:ext uri="{FF2B5EF4-FFF2-40B4-BE49-F238E27FC236}">
+                <a16:creationId xmlns:a16="http://schemas.microsoft.com/office/drawing/2014/main" id="{76EDA464-FB4B-4AB8-8271-5BD01A6722F3}"/>
+              </a:ext>
+            </a:extLst>
+          </p:cNvPr>
+          <p:cNvPicPr>
+            <a:picLocks noChangeAspect="1"/>
+          </p:cNvPicPr>
+          <p:nvPr/>
+        </p:nvPicPr>
+        <p:blipFill>
+          <a:blip r:embed="rId2"/>
+          <a:stretch>
+            <a:fillRect/>
+          </a:stretch>
+        </p:blipFill>
+        <p:spPr>
+          <a:xfrm>
+            <a:off x="9138249" y="442749"/>
+            <a:ext cx="1161691" cy="322203"/>
+          </a:xfrm>
+          <a:prstGeom prst="rect">
+            <a:avLst/>
+          </a:prstGeom>
+        </p:spPr>
+      </p:pic>
+      <p:pic>
+        <p:nvPicPr>
+          <p:cNvPr id="7" name="Graphic 6">
+            <a:extLst>
+              <a:ext uri="{FF2B5EF4-FFF2-40B4-BE49-F238E27FC236}">
+                <a16:creationId xmlns:a16="http://schemas.microsoft.com/office/drawing/2014/main" id="{965220E7-50D9-45C0-92B9-2BEC8669BB7F}"/>
+              </a:ext>
+            </a:extLst>
+          </p:cNvPr>
+          <p:cNvPicPr>
+            <a:picLocks noChangeAspect="1"/>
+          </p:cNvPicPr>
+          <p:nvPr/>
+        </p:nvPicPr>
+        <p:blipFill>
+          <a:blip r:embed="rId3">
+            <a:extLst>
+              <a:ext uri="{96DAC541-7B7A-43D3-8B79-37D633B846F1}">
+                <asvg:svgBlip xmlns:asvg="http://schemas.microsoft.com/office/drawing/2016/SVG/main" r:embed="rId4"/>
+              </a:ext>
+            </a:extLst>
+          </a:blip>
+          <a:stretch>
+            <a:fillRect/>
+          </a:stretch>
+        </p:blipFill>
+        <p:spPr>
+          <a:xfrm>
+            <a:off x="10440401" y="236076"/>
+            <a:ext cx="1445542" cy="833866"/>
+          </a:xfrm>
+          <a:prstGeom prst="rect">
+            <a:avLst/>
+          </a:prstGeom>
+        </p:spPr>
+      </p:pic>
+      <p:sp>
+        <p:nvSpPr>
+          <p:cNvPr id="8" name="TextBox 7">
+            <a:extLst>
+              <a:ext uri="{FF2B5EF4-FFF2-40B4-BE49-F238E27FC236}">
+                <a16:creationId xmlns:a16="http://schemas.microsoft.com/office/drawing/2014/main" id="{EADE8422-AC70-4FEE-B034-15802AB22BC6}"/>
+              </a:ext>
+            </a:extLst>
+          </p:cNvPr>
+          <p:cNvSpPr txBox="1"/>
+          <p:nvPr/>
+        </p:nvSpPr>
+        <p:spPr>
+          <a:xfrm>
+            <a:off x="294376" y="236867"/>
+            <a:ext cx="8105954" cy="523220"/>
+          </a:xfrm>
+          <a:prstGeom prst="rect">
+            <a:avLst/>
+          </a:prstGeom>
+          <a:noFill/>
+        </p:spPr>
+        <p:txBody>
+          <a:bodyPr rot="0" spcFirstLastPara="0" vertOverflow="overflow" horzOverflow="overflow" vert="horz" wrap="square" lIns="91440" tIns="45720" rIns="91440" bIns="45720" numCol="1" spcCol="0" rtlCol="0" fromWordArt="0" anchor="t" anchorCtr="0" forceAA="0" compatLnSpc="1">
+            <a:prstTxWarp prst="textNoShape">
+              <a:avLst/>
+            </a:prstTxWarp>
+            <a:spAutoFit/>
+          </a:bodyPr>
+          <a:lstStyle/>
+          <a:p>
+            <a:r>
+              <a:rPr lang="de-DE" sz="2800" dirty="0">
+                <a:solidFill>
+                  <a:srgbClr val="C00000"/>
+                </a:solidFill>
+                <a:cs typeface="Calibri"/>
+              </a:rPr>
+              <a:t>6. Welche Aspekte sollen untersucht werden?</a:t>
+            </a:r>
+          </a:p>
+        </p:txBody>
+      </p:sp>
+      <p:sp>
+        <p:nvSpPr>
+          <p:cNvPr id="9" name="TextBox 8">
+            <a:extLst>
+              <a:ext uri="{FF2B5EF4-FFF2-40B4-BE49-F238E27FC236}">
+                <a16:creationId xmlns:a16="http://schemas.microsoft.com/office/drawing/2014/main" id="{8297F85A-00B1-4007-A154-51DD613C8FC2}"/>
+              </a:ext>
+            </a:extLst>
+          </p:cNvPr>
+          <p:cNvSpPr txBox="1"/>
+          <p:nvPr/>
+        </p:nvSpPr>
+        <p:spPr>
+          <a:xfrm>
+            <a:off x="577787" y="1795277"/>
+            <a:ext cx="11124996" cy="480131"/>
+          </a:xfrm>
+          <a:prstGeom prst="rect">
+            <a:avLst/>
+          </a:prstGeom>
+          <a:noFill/>
+        </p:spPr>
+        <p:txBody>
+          <a:bodyPr rot="0" spcFirstLastPara="0" vertOverflow="overflow" horzOverflow="overflow" vert="horz" wrap="square" lIns="91440" tIns="45720" rIns="91440" bIns="45720" numCol="1" spcCol="0" rtlCol="0" fromWordArt="0" anchor="t" anchorCtr="0" forceAA="0" compatLnSpc="1">
+            <a:prstTxWarp prst="textNoShape">
+              <a:avLst/>
+            </a:prstTxWarp>
+            <a:spAutoFit/>
+          </a:bodyPr>
+          <a:lstStyle/>
+          <a:p>
+            <a:pPr>
+              <a:lnSpc>
+                <a:spcPct val="90000"/>
+              </a:lnSpc>
+              <a:spcBef>
+                <a:spcPts val="1000"/>
+              </a:spcBef>
+            </a:pPr>
+            <a:r>
+              <a:rPr lang="de-DE" sz="2800" dirty="0">
+                <a:solidFill>
+                  <a:srgbClr val="002060"/>
+                </a:solidFill>
+                <a:cs typeface="Calibri"/>
+              </a:rPr>
+              <a:t>Grundlage sollen Aspekte der ISO 25010 für Softwarequalität sein.</a:t>
+            </a:r>
+          </a:p>
+        </p:txBody>
+      </p:sp>
+      <p:sp>
+        <p:nvSpPr>
+          <p:cNvPr id="18" name="Slide Number Placeholder 17">
+            <a:extLst>
+              <a:ext uri="{FF2B5EF4-FFF2-40B4-BE49-F238E27FC236}">
+                <a16:creationId xmlns:a16="http://schemas.microsoft.com/office/drawing/2014/main" id="{D22FE225-8B88-40FF-8EF4-264E17A1B34D}"/>
+              </a:ext>
+            </a:extLst>
+          </p:cNvPr>
+          <p:cNvSpPr>
+            <a:spLocks noGrp="1"/>
+          </p:cNvSpPr>
+          <p:nvPr>
+            <p:ph type="sldNum" sz="quarter" idx="12"/>
+          </p:nvPr>
+        </p:nvSpPr>
+        <p:spPr>
+          <a:xfrm>
+            <a:off x="9444487" y="6485746"/>
+            <a:ext cx="2743200" cy="365125"/>
+          </a:xfrm>
+        </p:spPr>
+        <p:txBody>
+          <a:bodyPr/>
+          <a:lstStyle/>
+          <a:p>
+            <a:fld id="{330EA680-D336-4FF7-8B7A-9848BB0A1C32}" type="slidenum">
+              <a:rPr lang="en-US" sz="1800" dirty="0" smtClean="0">
+                <a:solidFill>
+                  <a:schemeClr val="bg1"/>
+                </a:solidFill>
+              </a:rPr>
+              <a:t>17</a:t>
+            </a:fld>
+            <a:endParaRPr lang="en-US" sz="1400">
+              <a:solidFill>
+                <a:schemeClr val="bg1"/>
+              </a:solidFill>
+              <a:cs typeface="Calibri"/>
+            </a:endParaRPr>
+          </a:p>
+        </p:txBody>
+      </p:sp>
+      <p:sp>
+        <p:nvSpPr>
+          <p:cNvPr id="17" name="Footer Placeholder 16">
+            <a:extLst>
+              <a:ext uri="{FF2B5EF4-FFF2-40B4-BE49-F238E27FC236}">
+                <a16:creationId xmlns:a16="http://schemas.microsoft.com/office/drawing/2014/main" id="{165A3098-C740-4F5D-8D74-C6787BFA1406}"/>
+              </a:ext>
+            </a:extLst>
+          </p:cNvPr>
+          <p:cNvSpPr>
+            <a:spLocks noGrp="1"/>
+          </p:cNvSpPr>
+          <p:nvPr>
+            <p:ph type="ftr" sz="quarter" idx="11"/>
+          </p:nvPr>
+        </p:nvSpPr>
+        <p:spPr>
+          <a:xfrm>
+            <a:off x="127958" y="6485746"/>
+            <a:ext cx="9146875" cy="365125"/>
+          </a:xfrm>
+        </p:spPr>
+        <p:txBody>
+          <a:bodyPr/>
+          <a:lstStyle/>
+          <a:p>
+            <a:pPr algn="l"/>
+            <a:r>
+              <a:rPr lang="en-US" sz="1800" dirty="0">
+                <a:solidFill>
+                  <a:schemeClr val="bg1"/>
+                </a:solidFill>
+              </a:rPr>
+              <a:t>Julian </a:t>
+            </a:r>
+            <a:r>
+              <a:rPr lang="en-US" sz="1800" dirty="0" err="1">
+                <a:solidFill>
+                  <a:schemeClr val="bg1"/>
+                </a:solidFill>
+              </a:rPr>
+              <a:t>Schallenmüller</a:t>
+            </a:r>
+            <a:r>
+              <a:rPr lang="en-US" sz="1800" dirty="0">
+                <a:solidFill>
+                  <a:schemeClr val="bg1"/>
+                </a:solidFill>
+              </a:rPr>
+              <a:t>                                                                 14.12.2021</a:t>
+            </a:r>
+            <a:endParaRPr lang="en-US" sz="1800" dirty="0">
+              <a:solidFill>
+                <a:schemeClr val="bg1"/>
+              </a:solidFill>
+              <a:cs typeface="Calibri"/>
+            </a:endParaRPr>
+          </a:p>
+        </p:txBody>
+      </p:sp>
+      <p:pic>
+        <p:nvPicPr>
+          <p:cNvPr id="2" name="Picture 2" descr="A picture containing graphical user interface&#10;&#10;Description automatically generated">
+            <a:extLst>
+              <a:ext uri="{FF2B5EF4-FFF2-40B4-BE49-F238E27FC236}">
+                <a16:creationId xmlns:a16="http://schemas.microsoft.com/office/drawing/2014/main" id="{F3F76755-D3BF-4EC2-A800-C3BE166D208F}"/>
+              </a:ext>
+            </a:extLst>
+          </p:cNvPr>
+          <p:cNvPicPr>
+            <a:picLocks noChangeAspect="1"/>
+          </p:cNvPicPr>
+          <p:nvPr/>
+        </p:nvPicPr>
+        <p:blipFill>
+          <a:blip r:embed="rId5"/>
+          <a:stretch>
+            <a:fillRect/>
+          </a:stretch>
+        </p:blipFill>
+        <p:spPr>
+          <a:xfrm>
+            <a:off x="499784" y="2391296"/>
+            <a:ext cx="11203638" cy="3207201"/>
+          </a:xfrm>
+          <a:prstGeom prst="rect">
+            <a:avLst/>
+          </a:prstGeom>
+        </p:spPr>
+      </p:pic>
+    </p:spTree>
+    <p:extLst>
+      <p:ext uri="{BB962C8B-B14F-4D97-AF65-F5344CB8AC3E}">
+        <p14:creationId xmlns:p14="http://schemas.microsoft.com/office/powerpoint/2010/main" val="1668167737"/>
+      </p:ext>
+    </p:extLst>
+  </p:cSld>
+  <p:clrMapOvr>
+    <a:masterClrMapping/>
+  </p:clrMapOvr>
+</p:sld>
+</file>
+
+<file path=ppt/slides/slide18.xml><?xml version="1.0" encoding="utf-8"?>
+<p:sld xmlns:a="http://schemas.openxmlformats.org/drawingml/2006/main" xmlns:r="http://schemas.openxmlformats.org/officeDocument/2006/relationships" xmlns:p="http://schemas.openxmlformats.org/presentationml/2006/main">
+  <p:cSld>
+    <p:spTree>
+      <p:nvGrpSpPr>
+        <p:cNvPr id="1" name=""/>
+        <p:cNvGrpSpPr/>
+        <p:nvPr/>
+      </p:nvGrpSpPr>
+      <p:grpSpPr>
+        <a:xfrm>
+          <a:off x="0" y="0"/>
+          <a:ext cx="0" cy="0"/>
+          <a:chOff x="0" y="0"/>
+          <a:chExt cx="0" cy="0"/>
+        </a:xfrm>
+      </p:grpSpPr>
+      <p:sp>
+        <p:nvSpPr>
+          <p:cNvPr id="4" name="Rectangle 3">
+            <a:extLst>
+              <a:ext uri="{FF2B5EF4-FFF2-40B4-BE49-F238E27FC236}">
+                <a16:creationId xmlns:a16="http://schemas.microsoft.com/office/drawing/2014/main" id="{77667538-60D2-47CA-A93E-9D0A7ADFB8BE}"/>
+              </a:ext>
+            </a:extLst>
+          </p:cNvPr>
+          <p:cNvSpPr/>
+          <p:nvPr/>
+        </p:nvSpPr>
+        <p:spPr>
+          <a:xfrm>
+            <a:off x="2875" y="6479875"/>
+            <a:ext cx="12191999" cy="373811"/>
+          </a:xfrm>
+          <a:prstGeom prst="rect">
+            <a:avLst/>
+          </a:prstGeom>
+          <a:solidFill>
+            <a:schemeClr val="tx1">
+              <a:lumMod val="65000"/>
+              <a:lumOff val="35000"/>
+            </a:schemeClr>
+          </a:solidFill>
+          <a:ln>
+            <a:solidFill>
+              <a:schemeClr val="bg1">
+                <a:lumMod val="50000"/>
+              </a:schemeClr>
+            </a:solidFill>
+          </a:ln>
+        </p:spPr>
+        <p:style>
+          <a:lnRef idx="2">
+            <a:schemeClr val="accent1">
+              <a:shade val="50000"/>
+            </a:schemeClr>
+          </a:lnRef>
+          <a:fillRef idx="1">
+            <a:schemeClr val="accent1"/>
+          </a:fillRef>
+          <a:effectRef idx="0">
+            <a:schemeClr val="accent1"/>
+          </a:effectRef>
+          <a:fontRef idx="minor">
+            <a:schemeClr val="lt1"/>
+          </a:fontRef>
+        </p:style>
+        <p:txBody>
+          <a:bodyPr rtlCol="0" anchor="ctr"/>
+          <a:lstStyle/>
+          <a:p>
+            <a:pPr algn="ctr"/>
+            <a:endParaRPr lang="en-US" dirty="0">
+              <a:cs typeface="Calibri"/>
+            </a:endParaRPr>
+          </a:p>
+        </p:txBody>
+      </p:sp>
+      <p:sp>
+        <p:nvSpPr>
+          <p:cNvPr id="5" name="Rectangle 4">
+            <a:extLst>
+              <a:ext uri="{FF2B5EF4-FFF2-40B4-BE49-F238E27FC236}">
+                <a16:creationId xmlns:a16="http://schemas.microsoft.com/office/drawing/2014/main" id="{738D9316-9815-46FD-B099-B3EDEF130533}"/>
+              </a:ext>
+            </a:extLst>
+          </p:cNvPr>
+          <p:cNvSpPr/>
+          <p:nvPr/>
+        </p:nvSpPr>
+        <p:spPr>
+          <a:xfrm>
+            <a:off x="1977" y="1116222"/>
+            <a:ext cx="12191999" cy="100643"/>
+          </a:xfrm>
+          <a:prstGeom prst="rect">
+            <a:avLst/>
+          </a:prstGeom>
+          <a:solidFill>
+            <a:schemeClr val="accent1">
+              <a:lumMod val="50000"/>
+            </a:schemeClr>
+          </a:solidFill>
+        </p:spPr>
+        <p:style>
+          <a:lnRef idx="2">
+            <a:schemeClr val="accent1">
+              <a:shade val="50000"/>
+            </a:schemeClr>
+          </a:lnRef>
+          <a:fillRef idx="1">
+            <a:schemeClr val="accent1"/>
+          </a:fillRef>
+          <a:effectRef idx="0">
+            <a:schemeClr val="accent1"/>
+          </a:effectRef>
+          <a:fontRef idx="minor">
+            <a:schemeClr val="lt1"/>
+          </a:fontRef>
+        </p:style>
+        <p:txBody>
+          <a:bodyPr rtlCol="0" anchor="ctr"/>
+          <a:lstStyle/>
+          <a:p>
+            <a:pPr algn="ctr"/>
+            <a:endParaRPr lang="en-US"/>
+          </a:p>
+        </p:txBody>
+      </p:sp>
+      <p:pic>
+        <p:nvPicPr>
+          <p:cNvPr id="6" name="Picture 6" descr="Logo&#10;&#10;Description automatically generated">
+            <a:extLst>
+              <a:ext uri="{FF2B5EF4-FFF2-40B4-BE49-F238E27FC236}">
+                <a16:creationId xmlns:a16="http://schemas.microsoft.com/office/drawing/2014/main" id="{76EDA464-FB4B-4AB8-8271-5BD01A6722F3}"/>
+              </a:ext>
+            </a:extLst>
+          </p:cNvPr>
+          <p:cNvPicPr>
+            <a:picLocks noChangeAspect="1"/>
+          </p:cNvPicPr>
+          <p:nvPr/>
+        </p:nvPicPr>
+        <p:blipFill>
+          <a:blip r:embed="rId2"/>
+          <a:stretch>
+            <a:fillRect/>
+          </a:stretch>
+        </p:blipFill>
+        <p:spPr>
+          <a:xfrm>
+            <a:off x="9138249" y="442749"/>
+            <a:ext cx="1161691" cy="322203"/>
+          </a:xfrm>
+          <a:prstGeom prst="rect">
+            <a:avLst/>
+          </a:prstGeom>
+        </p:spPr>
+      </p:pic>
+      <p:pic>
+        <p:nvPicPr>
+          <p:cNvPr id="7" name="Graphic 6">
+            <a:extLst>
+              <a:ext uri="{FF2B5EF4-FFF2-40B4-BE49-F238E27FC236}">
+                <a16:creationId xmlns:a16="http://schemas.microsoft.com/office/drawing/2014/main" id="{965220E7-50D9-45C0-92B9-2BEC8669BB7F}"/>
+              </a:ext>
+            </a:extLst>
+          </p:cNvPr>
+          <p:cNvPicPr>
+            <a:picLocks noChangeAspect="1"/>
+          </p:cNvPicPr>
+          <p:nvPr/>
+        </p:nvPicPr>
+        <p:blipFill>
+          <a:blip r:embed="rId3">
+            <a:extLst>
+              <a:ext uri="{96DAC541-7B7A-43D3-8B79-37D633B846F1}">
+                <asvg:svgBlip xmlns:asvg="http://schemas.microsoft.com/office/drawing/2016/SVG/main" r:embed="rId4"/>
+              </a:ext>
+            </a:extLst>
+          </a:blip>
+          <a:stretch>
+            <a:fillRect/>
+          </a:stretch>
+        </p:blipFill>
+        <p:spPr>
+          <a:xfrm>
+            <a:off x="10440401" y="236076"/>
+            <a:ext cx="1445542" cy="833866"/>
+          </a:xfrm>
+          <a:prstGeom prst="rect">
+            <a:avLst/>
+          </a:prstGeom>
+        </p:spPr>
+      </p:pic>
+      <p:sp>
+        <p:nvSpPr>
+          <p:cNvPr id="8" name="TextBox 7">
+            <a:extLst>
+              <a:ext uri="{FF2B5EF4-FFF2-40B4-BE49-F238E27FC236}">
+                <a16:creationId xmlns:a16="http://schemas.microsoft.com/office/drawing/2014/main" id="{EADE8422-AC70-4FEE-B034-15802AB22BC6}"/>
+              </a:ext>
+            </a:extLst>
+          </p:cNvPr>
+          <p:cNvSpPr txBox="1"/>
+          <p:nvPr/>
+        </p:nvSpPr>
+        <p:spPr>
+          <a:xfrm>
+            <a:off x="384023" y="124808"/>
+            <a:ext cx="8105954" cy="954107"/>
+          </a:xfrm>
+          <a:prstGeom prst="rect">
+            <a:avLst/>
+          </a:prstGeom>
+          <a:noFill/>
+        </p:spPr>
+        <p:txBody>
+          <a:bodyPr rot="0" spcFirstLastPara="0" vertOverflow="overflow" horzOverflow="overflow" vert="horz" wrap="square" lIns="91440" tIns="45720" rIns="91440" bIns="45720" numCol="1" spcCol="0" rtlCol="0" fromWordArt="0" anchor="t" anchorCtr="0" forceAA="0" compatLnSpc="1">
+            <a:prstTxWarp prst="textNoShape">
+              <a:avLst/>
+            </a:prstTxWarp>
+            <a:spAutoFit/>
+          </a:bodyPr>
+          <a:lstStyle/>
+          <a:p>
+            <a:r>
+              <a:rPr lang="de-DE" sz="2800" dirty="0">
+                <a:solidFill>
+                  <a:srgbClr val="C00000"/>
+                </a:solidFill>
+                <a:cs typeface="Calibri"/>
+              </a:rPr>
+              <a:t>Weiterführende Themen / Interessante Fragestellungen</a:t>
+            </a:r>
+          </a:p>
+        </p:txBody>
+      </p:sp>
+      <p:sp>
+        <p:nvSpPr>
+          <p:cNvPr id="9" name="TextBox 8">
+            <a:extLst>
+              <a:ext uri="{FF2B5EF4-FFF2-40B4-BE49-F238E27FC236}">
+                <a16:creationId xmlns:a16="http://schemas.microsoft.com/office/drawing/2014/main" id="{8297F85A-00B1-4007-A154-51DD613C8FC2}"/>
+              </a:ext>
+            </a:extLst>
+          </p:cNvPr>
+          <p:cNvSpPr txBox="1"/>
+          <p:nvPr/>
+        </p:nvSpPr>
+        <p:spPr>
+          <a:xfrm>
+            <a:off x="577787" y="1795277"/>
+            <a:ext cx="11124996" cy="2803844"/>
+          </a:xfrm>
+          <a:prstGeom prst="rect">
+            <a:avLst/>
+          </a:prstGeom>
+          <a:noFill/>
+        </p:spPr>
+        <p:txBody>
+          <a:bodyPr rot="0" spcFirstLastPara="0" vertOverflow="overflow" horzOverflow="overflow" vert="horz" wrap="square" lIns="91440" tIns="45720" rIns="91440" bIns="45720" numCol="1" spcCol="0" rtlCol="0" fromWordArt="0" anchor="t" anchorCtr="0" forceAA="0" compatLnSpc="1">
+            <a:prstTxWarp prst="textNoShape">
+              <a:avLst/>
+            </a:prstTxWarp>
+            <a:spAutoFit/>
+          </a:bodyPr>
+          <a:lstStyle/>
+          <a:p>
+            <a:pPr marL="457200" indent="-457200">
+              <a:lnSpc>
+                <a:spcPct val="90000"/>
+              </a:lnSpc>
+              <a:spcBef>
+                <a:spcPts val="1000"/>
+              </a:spcBef>
+              <a:buFont typeface="Arial"/>
+              <a:buChar char="•"/>
+            </a:pPr>
+            <a:r>
+              <a:rPr lang="de-DE" sz="2800" dirty="0">
+                <a:solidFill>
+                  <a:srgbClr val="002060"/>
+                </a:solidFill>
+                <a:ea typeface="+mn-lt"/>
+                <a:cs typeface="+mn-lt"/>
+              </a:rPr>
+              <a:t>Erweiterung auf andere CSP: IBM Cloud, Open Telekom Cloud, Alibaba Cloud, </a:t>
+            </a:r>
+            <a:r>
+              <a:rPr lang="de-DE" sz="2800" dirty="0" err="1">
+                <a:solidFill>
+                  <a:srgbClr val="002060"/>
+                </a:solidFill>
+                <a:ea typeface="+mn-lt"/>
+                <a:cs typeface="+mn-lt"/>
+              </a:rPr>
+              <a:t>Orcale</a:t>
+            </a:r>
+            <a:r>
+              <a:rPr lang="de-DE" sz="2800" dirty="0">
+                <a:solidFill>
+                  <a:srgbClr val="002060"/>
+                </a:solidFill>
+                <a:ea typeface="+mn-lt"/>
+                <a:cs typeface="+mn-lt"/>
+              </a:rPr>
+              <a:t> Cloud, ...</a:t>
+            </a:r>
+          </a:p>
+          <a:p>
+            <a:pPr marL="457200" indent="-457200">
+              <a:lnSpc>
+                <a:spcPct val="90000"/>
+              </a:lnSpc>
+              <a:spcBef>
+                <a:spcPts val="1000"/>
+              </a:spcBef>
+              <a:buFont typeface="Arial"/>
+              <a:buChar char="•"/>
+            </a:pPr>
+            <a:r>
+              <a:rPr lang="de-DE" sz="2800" dirty="0">
+                <a:solidFill>
+                  <a:srgbClr val="002060"/>
+                </a:solidFill>
+                <a:cs typeface="Calibri"/>
+              </a:rPr>
+              <a:t>Vergleich verschiedener </a:t>
+            </a:r>
+            <a:r>
+              <a:rPr lang="de-DE" sz="2800" dirty="0" err="1">
+                <a:solidFill>
+                  <a:srgbClr val="002060"/>
+                </a:solidFill>
+                <a:cs typeface="Calibri"/>
+              </a:rPr>
+              <a:t>IaC</a:t>
+            </a:r>
+            <a:r>
+              <a:rPr lang="de-DE" sz="2800" dirty="0">
+                <a:solidFill>
+                  <a:srgbClr val="002060"/>
+                </a:solidFill>
+                <a:cs typeface="Calibri"/>
+              </a:rPr>
+              <a:t> Tools / </a:t>
+            </a:r>
+            <a:r>
+              <a:rPr lang="de-DE" sz="2800" dirty="0" err="1">
+                <a:solidFill>
+                  <a:srgbClr val="002060"/>
+                </a:solidFill>
+                <a:cs typeface="Calibri"/>
+              </a:rPr>
+              <a:t>Toolstacks</a:t>
+            </a:r>
+            <a:r>
+              <a:rPr lang="de-DE" sz="2800" dirty="0">
+                <a:solidFill>
+                  <a:srgbClr val="002060"/>
+                </a:solidFill>
+                <a:cs typeface="Calibri"/>
+              </a:rPr>
+              <a:t> (Terraform </a:t>
+            </a:r>
+            <a:r>
+              <a:rPr lang="de-DE" sz="2800" dirty="0" err="1">
+                <a:solidFill>
+                  <a:srgbClr val="002060"/>
+                </a:solidFill>
+                <a:cs typeface="Calibri"/>
+              </a:rPr>
+              <a:t>vs</a:t>
+            </a:r>
+            <a:r>
+              <a:rPr lang="de-DE" sz="2800" dirty="0">
+                <a:solidFill>
+                  <a:srgbClr val="002060"/>
+                </a:solidFill>
+                <a:cs typeface="Calibri"/>
+              </a:rPr>
+              <a:t> </a:t>
+            </a:r>
+            <a:r>
+              <a:rPr lang="de-DE" sz="2800" dirty="0" err="1">
+                <a:solidFill>
+                  <a:srgbClr val="002060"/>
+                </a:solidFill>
+                <a:cs typeface="Calibri"/>
+              </a:rPr>
+              <a:t>Pulumi</a:t>
+            </a:r>
+            <a:r>
+              <a:rPr lang="de-DE" sz="2800" dirty="0">
+                <a:solidFill>
+                  <a:srgbClr val="002060"/>
+                </a:solidFill>
+                <a:cs typeface="Calibri"/>
+              </a:rPr>
+              <a:t>)</a:t>
+            </a:r>
+          </a:p>
+          <a:p>
+            <a:pPr marL="457200" indent="-457200">
+              <a:lnSpc>
+                <a:spcPct val="90000"/>
+              </a:lnSpc>
+              <a:spcBef>
+                <a:spcPts val="1000"/>
+              </a:spcBef>
+              <a:buFont typeface="Arial"/>
+              <a:buChar char="•"/>
+            </a:pPr>
+            <a:r>
+              <a:rPr lang="de-DE" sz="2800" dirty="0" err="1">
+                <a:solidFill>
+                  <a:srgbClr val="002060"/>
+                </a:solidFill>
+                <a:cs typeface="Calibri"/>
+              </a:rPr>
+              <a:t>IaC</a:t>
+            </a:r>
+            <a:r>
+              <a:rPr lang="de-DE" sz="2800" dirty="0">
+                <a:solidFill>
+                  <a:srgbClr val="002060"/>
+                </a:solidFill>
+                <a:cs typeface="Calibri"/>
+              </a:rPr>
+              <a:t> </a:t>
+            </a:r>
+            <a:r>
+              <a:rPr lang="de-DE" sz="2800" dirty="0" err="1">
+                <a:solidFill>
+                  <a:srgbClr val="002060"/>
+                </a:solidFill>
+                <a:cs typeface="Calibri"/>
+              </a:rPr>
+              <a:t>Testing</a:t>
+            </a:r>
+            <a:r>
+              <a:rPr lang="de-DE" sz="2800" dirty="0">
+                <a:solidFill>
+                  <a:srgbClr val="002060"/>
+                </a:solidFill>
+                <a:cs typeface="Calibri"/>
+              </a:rPr>
+              <a:t> in Terraform und anderen Tools</a:t>
+            </a:r>
+          </a:p>
+          <a:p>
+            <a:pPr marL="457200" indent="-457200">
+              <a:lnSpc>
+                <a:spcPct val="90000"/>
+              </a:lnSpc>
+              <a:spcBef>
+                <a:spcPts val="1000"/>
+              </a:spcBef>
+              <a:buFont typeface="Arial"/>
+              <a:buChar char="•"/>
+            </a:pPr>
+            <a:r>
+              <a:rPr lang="de-DE" sz="2800" dirty="0">
+                <a:solidFill>
+                  <a:srgbClr val="002060"/>
+                </a:solidFill>
+                <a:cs typeface="Calibri"/>
+              </a:rPr>
+              <a:t>Thema Cloud </a:t>
+            </a:r>
+            <a:r>
+              <a:rPr lang="de-DE" sz="2800" dirty="0" err="1">
+                <a:solidFill>
+                  <a:srgbClr val="002060"/>
+                </a:solidFill>
+                <a:cs typeface="Calibri"/>
+              </a:rPr>
+              <a:t>Agnostic</a:t>
+            </a:r>
+            <a:r>
+              <a:rPr lang="de-DE" sz="2800" dirty="0">
+                <a:solidFill>
+                  <a:srgbClr val="002060"/>
+                </a:solidFill>
+                <a:cs typeface="Calibri"/>
+              </a:rPr>
+              <a:t>: </a:t>
+            </a:r>
+            <a:r>
+              <a:rPr lang="de-DE" sz="2800" dirty="0" err="1">
+                <a:solidFill>
+                  <a:srgbClr val="002060"/>
+                </a:solidFill>
+                <a:cs typeface="Calibri"/>
+              </a:rPr>
+              <a:t>Expectation</a:t>
+            </a:r>
+            <a:r>
+              <a:rPr lang="de-DE" sz="2800" dirty="0">
+                <a:solidFill>
+                  <a:srgbClr val="002060"/>
+                </a:solidFill>
+                <a:cs typeface="Calibri"/>
+              </a:rPr>
+              <a:t> </a:t>
+            </a:r>
+            <a:r>
+              <a:rPr lang="de-DE" sz="2800" dirty="0" err="1">
+                <a:solidFill>
+                  <a:srgbClr val="002060"/>
+                </a:solidFill>
+                <a:cs typeface="Calibri"/>
+              </a:rPr>
+              <a:t>vs</a:t>
+            </a:r>
+            <a:r>
+              <a:rPr lang="de-DE" sz="2800" dirty="0">
+                <a:solidFill>
+                  <a:srgbClr val="002060"/>
+                </a:solidFill>
+                <a:cs typeface="Calibri"/>
+              </a:rPr>
+              <a:t> Reality  und wie weit lässt sich "echte" Cloud </a:t>
+            </a:r>
+            <a:r>
+              <a:rPr lang="de-DE" sz="2800" dirty="0" err="1">
+                <a:solidFill>
+                  <a:srgbClr val="002060"/>
+                </a:solidFill>
+                <a:cs typeface="Calibri"/>
+              </a:rPr>
+              <a:t>Agnostzität</a:t>
+            </a:r>
+            <a:r>
+              <a:rPr lang="de-DE" sz="2800" dirty="0">
+                <a:solidFill>
+                  <a:srgbClr val="002060"/>
+                </a:solidFill>
+                <a:cs typeface="Calibri"/>
+              </a:rPr>
+              <a:t> umsetzen</a:t>
+            </a:r>
+          </a:p>
+        </p:txBody>
+      </p:sp>
+      <p:sp>
+        <p:nvSpPr>
+          <p:cNvPr id="18" name="Slide Number Placeholder 17">
+            <a:extLst>
+              <a:ext uri="{FF2B5EF4-FFF2-40B4-BE49-F238E27FC236}">
+                <a16:creationId xmlns:a16="http://schemas.microsoft.com/office/drawing/2014/main" id="{D22FE225-8B88-40FF-8EF4-264E17A1B34D}"/>
+              </a:ext>
+            </a:extLst>
+          </p:cNvPr>
+          <p:cNvSpPr>
+            <a:spLocks noGrp="1"/>
+          </p:cNvSpPr>
+          <p:nvPr>
+            <p:ph type="sldNum" sz="quarter" idx="12"/>
+          </p:nvPr>
+        </p:nvSpPr>
+        <p:spPr>
+          <a:xfrm>
+            <a:off x="9444487" y="6485746"/>
+            <a:ext cx="2743200" cy="365125"/>
+          </a:xfrm>
+        </p:spPr>
+        <p:txBody>
+          <a:bodyPr/>
+          <a:lstStyle/>
+          <a:p>
+            <a:fld id="{330EA680-D336-4FF7-8B7A-9848BB0A1C32}" type="slidenum">
+              <a:rPr lang="en-US" sz="1800" dirty="0" smtClean="0">
+                <a:solidFill>
+                  <a:schemeClr val="bg1"/>
+                </a:solidFill>
+              </a:rPr>
+              <a:t>18</a:t>
+            </a:fld>
+            <a:endParaRPr lang="en-US" sz="1400">
+              <a:solidFill>
+                <a:schemeClr val="bg1"/>
+              </a:solidFill>
+              <a:cs typeface="Calibri"/>
+            </a:endParaRPr>
+          </a:p>
+        </p:txBody>
+      </p:sp>
+      <p:sp>
+        <p:nvSpPr>
+          <p:cNvPr id="17" name="Footer Placeholder 16">
+            <a:extLst>
+              <a:ext uri="{FF2B5EF4-FFF2-40B4-BE49-F238E27FC236}">
+                <a16:creationId xmlns:a16="http://schemas.microsoft.com/office/drawing/2014/main" id="{165A3098-C740-4F5D-8D74-C6787BFA1406}"/>
+              </a:ext>
+            </a:extLst>
+          </p:cNvPr>
+          <p:cNvSpPr>
+            <a:spLocks noGrp="1"/>
+          </p:cNvSpPr>
+          <p:nvPr>
+            <p:ph type="ftr" sz="quarter" idx="11"/>
+          </p:nvPr>
+        </p:nvSpPr>
+        <p:spPr>
+          <a:xfrm>
+            <a:off x="127958" y="6485746"/>
+            <a:ext cx="9146875" cy="365125"/>
+          </a:xfrm>
+        </p:spPr>
+        <p:txBody>
+          <a:bodyPr/>
+          <a:lstStyle/>
+          <a:p>
+            <a:pPr algn="l"/>
+            <a:r>
+              <a:rPr lang="en-US" sz="1800" dirty="0">
+                <a:solidFill>
+                  <a:schemeClr val="bg1"/>
+                </a:solidFill>
+              </a:rPr>
+              <a:t>Julian </a:t>
+            </a:r>
+            <a:r>
+              <a:rPr lang="en-US" sz="1800" dirty="0" err="1">
+                <a:solidFill>
+                  <a:schemeClr val="bg1"/>
+                </a:solidFill>
+              </a:rPr>
+              <a:t>Schallenmüller</a:t>
+            </a:r>
+            <a:r>
+              <a:rPr lang="en-US" sz="1800" dirty="0">
+                <a:solidFill>
+                  <a:schemeClr val="bg1"/>
+                </a:solidFill>
+              </a:rPr>
+              <a:t>                                                                 14.12.2021</a:t>
+            </a:r>
+            <a:endParaRPr lang="en-US" sz="1800" dirty="0">
+              <a:solidFill>
+                <a:schemeClr val="bg1"/>
+              </a:solidFill>
+              <a:cs typeface="Calibri"/>
+            </a:endParaRPr>
+          </a:p>
+        </p:txBody>
+      </p:sp>
+    </p:spTree>
+    <p:extLst>
+      <p:ext uri="{BB962C8B-B14F-4D97-AF65-F5344CB8AC3E}">
+        <p14:creationId xmlns:p14="http://schemas.microsoft.com/office/powerpoint/2010/main" val="2539768680"/>
       </p:ext>
     </p:extLst>
   </p:cSld>

--- a/Bachelorarbeitsbesuch/Präsentation.pptx
+++ b/Bachelorarbeitsbesuch/Präsentation.pptx
@@ -9,17 +9,20 @@
     <p:sldId id="257" r:id="rId3"/>
     <p:sldId id="259" r:id="rId4"/>
     <p:sldId id="260" r:id="rId5"/>
-    <p:sldId id="265" r:id="rId6"/>
-    <p:sldId id="266" r:id="rId7"/>
-    <p:sldId id="267" r:id="rId8"/>
-    <p:sldId id="263" r:id="rId9"/>
-    <p:sldId id="262" r:id="rId10"/>
+    <p:sldId id="262" r:id="rId6"/>
+    <p:sldId id="265" r:id="rId7"/>
+    <p:sldId id="266" r:id="rId8"/>
+    <p:sldId id="267" r:id="rId9"/>
+    <p:sldId id="263" r:id="rId10"/>
     <p:sldId id="264" r:id="rId11"/>
     <p:sldId id="268" r:id="rId12"/>
     <p:sldId id="271" r:id="rId13"/>
     <p:sldId id="269" r:id="rId14"/>
     <p:sldId id="270" r:id="rId15"/>
     <p:sldId id="272" r:id="rId16"/>
+    <p:sldId id="273" r:id="rId17"/>
+    <p:sldId id="274" r:id="rId18"/>
+    <p:sldId id="275" r:id="rId19"/>
   </p:sldIdLst>
   <p:sldSz cx="12192000" cy="6858000"/>
   <p:notesSz cx="6858000" cy="9144000"/>
@@ -131,7 +134,9 @@
   <p1510:revLst>
     <p1510:client id="{1F0D5F9F-9DCC-189A-D796-06AD919444A5}" v="708" dt="2021-12-13T15:15:56.340"/>
     <p1510:client id="{4455359E-C1C1-7527-595A-A81BC513A2EE}" v="651" dt="2021-12-13T17:33:23.091"/>
-    <p1510:client id="{54468AAE-0B65-C872-6008-744EFB369302}" v="147" dt="2021-12-14T09:33:23.944"/>
+    <p1510:client id="{54468AAE-0B65-C872-6008-744EFB369302}" v="148" dt="2021-12-14T09:45:11.037"/>
+    <p1510:client id="{76547F54-E995-5C9D-F459-D5E1F0E9D1AE}" v="43" dt="2021-12-14T14:31:53.989"/>
+    <p1510:client id="{A8AA6ADC-CA29-493A-8FE6-F13707B118A8}" v="702" dt="2021-12-14T10:45:10.097"/>
     <p1510:client id="{BD9C0A6E-4138-DA67-4E7C-E995AA9C7EE2}" v="2226" dt="2021-12-13T17:00:31.691"/>
   </p1510:revLst>
 </p1510:revInfo>
@@ -4426,7 +4431,7 @@
         </p:blipFill>
         <p:spPr>
           <a:xfrm>
-            <a:off x="1785257" y="1655990"/>
+            <a:off x="2267110" y="1644784"/>
             <a:ext cx="7663542" cy="4308021"/>
           </a:xfrm>
           <a:prstGeom prst="rect">
@@ -5336,16 +5341,15 @@
           </p:cNvPicPr>
           <p:nvPr/>
         </p:nvPicPr>
-        <p:blipFill>
+        <p:blipFill rotWithShape="1">
           <a:blip r:embed="rId5"/>
-          <a:stretch>
-            <a:fillRect/>
-          </a:stretch>
+          <a:srcRect l="-2083" r="-189" b="31462"/>
+          <a:stretch/>
         </p:blipFill>
         <p:spPr>
           <a:xfrm>
-            <a:off x="3875314" y="1553973"/>
-            <a:ext cx="3559628" cy="4566483"/>
+            <a:off x="3187317" y="1529090"/>
+            <a:ext cx="5199114" cy="4377776"/>
           </a:xfrm>
           <a:prstGeom prst="rect">
             <a:avLst/>
@@ -6198,10 +6202,1612 @@
           </a:p>
         </p:txBody>
       </p:sp>
+      <p:pic>
+        <p:nvPicPr>
+          <p:cNvPr id="3" name="Picture 9" descr="A picture containing treemap chart&#10;&#10;Description automatically generated">
+            <a:extLst>
+              <a:ext uri="{FF2B5EF4-FFF2-40B4-BE49-F238E27FC236}">
+                <a16:creationId xmlns:a16="http://schemas.microsoft.com/office/drawing/2014/main" id="{53F792DE-485D-4E15-8C2E-48FDCAAC9AC8}"/>
+              </a:ext>
+            </a:extLst>
+          </p:cNvPr>
+          <p:cNvPicPr>
+            <a:picLocks noChangeAspect="1"/>
+          </p:cNvPicPr>
+          <p:nvPr/>
+        </p:nvPicPr>
+        <p:blipFill>
+          <a:blip r:embed="rId5"/>
+          <a:stretch>
+            <a:fillRect/>
+          </a:stretch>
+        </p:blipFill>
+        <p:spPr>
+          <a:xfrm>
+            <a:off x="2270313" y="2113082"/>
+            <a:ext cx="7326405" cy="4077394"/>
+          </a:xfrm>
+          <a:prstGeom prst="rect">
+            <a:avLst/>
+          </a:prstGeom>
+        </p:spPr>
+      </p:pic>
     </p:spTree>
     <p:extLst>
       <p:ext uri="{BB962C8B-B14F-4D97-AF65-F5344CB8AC3E}">
         <p14:creationId xmlns:p14="http://schemas.microsoft.com/office/powerpoint/2010/main" val="672542536"/>
+      </p:ext>
+    </p:extLst>
+  </p:cSld>
+  <p:clrMapOvr>
+    <a:masterClrMapping/>
+  </p:clrMapOvr>
+</p:sld>
+</file>
+
+<file path=ppt/slides/slide16.xml><?xml version="1.0" encoding="utf-8"?>
+<p:sld xmlns:a="http://schemas.openxmlformats.org/drawingml/2006/main" xmlns:r="http://schemas.openxmlformats.org/officeDocument/2006/relationships" xmlns:p="http://schemas.openxmlformats.org/presentationml/2006/main">
+  <p:cSld>
+    <p:spTree>
+      <p:nvGrpSpPr>
+        <p:cNvPr id="1" name=""/>
+        <p:cNvGrpSpPr/>
+        <p:nvPr/>
+      </p:nvGrpSpPr>
+      <p:grpSpPr>
+        <a:xfrm>
+          <a:off x="0" y="0"/>
+          <a:ext cx="0" cy="0"/>
+          <a:chOff x="0" y="0"/>
+          <a:chExt cx="0" cy="0"/>
+        </a:xfrm>
+      </p:grpSpPr>
+      <p:sp>
+        <p:nvSpPr>
+          <p:cNvPr id="4" name="Rectangle 3">
+            <a:extLst>
+              <a:ext uri="{FF2B5EF4-FFF2-40B4-BE49-F238E27FC236}">
+                <a16:creationId xmlns:a16="http://schemas.microsoft.com/office/drawing/2014/main" id="{77667538-60D2-47CA-A93E-9D0A7ADFB8BE}"/>
+              </a:ext>
+            </a:extLst>
+          </p:cNvPr>
+          <p:cNvSpPr/>
+          <p:nvPr/>
+        </p:nvSpPr>
+        <p:spPr>
+          <a:xfrm>
+            <a:off x="2875" y="6479875"/>
+            <a:ext cx="12191999" cy="373811"/>
+          </a:xfrm>
+          <a:prstGeom prst="rect">
+            <a:avLst/>
+          </a:prstGeom>
+          <a:solidFill>
+            <a:schemeClr val="tx1">
+              <a:lumMod val="65000"/>
+              <a:lumOff val="35000"/>
+            </a:schemeClr>
+          </a:solidFill>
+          <a:ln>
+            <a:solidFill>
+              <a:schemeClr val="bg1">
+                <a:lumMod val="50000"/>
+              </a:schemeClr>
+            </a:solidFill>
+          </a:ln>
+        </p:spPr>
+        <p:style>
+          <a:lnRef idx="2">
+            <a:schemeClr val="accent1">
+              <a:shade val="50000"/>
+            </a:schemeClr>
+          </a:lnRef>
+          <a:fillRef idx="1">
+            <a:schemeClr val="accent1"/>
+          </a:fillRef>
+          <a:effectRef idx="0">
+            <a:schemeClr val="accent1"/>
+          </a:effectRef>
+          <a:fontRef idx="minor">
+            <a:schemeClr val="lt1"/>
+          </a:fontRef>
+        </p:style>
+        <p:txBody>
+          <a:bodyPr rtlCol="0" anchor="ctr"/>
+          <a:lstStyle/>
+          <a:p>
+            <a:pPr algn="ctr"/>
+            <a:endParaRPr lang="en-US" dirty="0">
+              <a:cs typeface="Calibri"/>
+            </a:endParaRPr>
+          </a:p>
+        </p:txBody>
+      </p:sp>
+      <p:sp>
+        <p:nvSpPr>
+          <p:cNvPr id="5" name="Rectangle 4">
+            <a:extLst>
+              <a:ext uri="{FF2B5EF4-FFF2-40B4-BE49-F238E27FC236}">
+                <a16:creationId xmlns:a16="http://schemas.microsoft.com/office/drawing/2014/main" id="{738D9316-9815-46FD-B099-B3EDEF130533}"/>
+              </a:ext>
+            </a:extLst>
+          </p:cNvPr>
+          <p:cNvSpPr/>
+          <p:nvPr/>
+        </p:nvSpPr>
+        <p:spPr>
+          <a:xfrm>
+            <a:off x="1977" y="1116222"/>
+            <a:ext cx="12191999" cy="100643"/>
+          </a:xfrm>
+          <a:prstGeom prst="rect">
+            <a:avLst/>
+          </a:prstGeom>
+          <a:solidFill>
+            <a:schemeClr val="accent1">
+              <a:lumMod val="50000"/>
+            </a:schemeClr>
+          </a:solidFill>
+        </p:spPr>
+        <p:style>
+          <a:lnRef idx="2">
+            <a:schemeClr val="accent1">
+              <a:shade val="50000"/>
+            </a:schemeClr>
+          </a:lnRef>
+          <a:fillRef idx="1">
+            <a:schemeClr val="accent1"/>
+          </a:fillRef>
+          <a:effectRef idx="0">
+            <a:schemeClr val="accent1"/>
+          </a:effectRef>
+          <a:fontRef idx="minor">
+            <a:schemeClr val="lt1"/>
+          </a:fontRef>
+        </p:style>
+        <p:txBody>
+          <a:bodyPr rtlCol="0" anchor="ctr"/>
+          <a:lstStyle/>
+          <a:p>
+            <a:pPr algn="ctr"/>
+            <a:endParaRPr lang="en-US"/>
+          </a:p>
+        </p:txBody>
+      </p:sp>
+      <p:pic>
+        <p:nvPicPr>
+          <p:cNvPr id="6" name="Picture 6" descr="Logo&#10;&#10;Description automatically generated">
+            <a:extLst>
+              <a:ext uri="{FF2B5EF4-FFF2-40B4-BE49-F238E27FC236}">
+                <a16:creationId xmlns:a16="http://schemas.microsoft.com/office/drawing/2014/main" id="{76EDA464-FB4B-4AB8-8271-5BD01A6722F3}"/>
+              </a:ext>
+            </a:extLst>
+          </p:cNvPr>
+          <p:cNvPicPr>
+            <a:picLocks noChangeAspect="1"/>
+          </p:cNvPicPr>
+          <p:nvPr/>
+        </p:nvPicPr>
+        <p:blipFill>
+          <a:blip r:embed="rId2"/>
+          <a:stretch>
+            <a:fillRect/>
+          </a:stretch>
+        </p:blipFill>
+        <p:spPr>
+          <a:xfrm>
+            <a:off x="9138249" y="442749"/>
+            <a:ext cx="1161691" cy="322203"/>
+          </a:xfrm>
+          <a:prstGeom prst="rect">
+            <a:avLst/>
+          </a:prstGeom>
+        </p:spPr>
+      </p:pic>
+      <p:pic>
+        <p:nvPicPr>
+          <p:cNvPr id="7" name="Graphic 6">
+            <a:extLst>
+              <a:ext uri="{FF2B5EF4-FFF2-40B4-BE49-F238E27FC236}">
+                <a16:creationId xmlns:a16="http://schemas.microsoft.com/office/drawing/2014/main" id="{965220E7-50D9-45C0-92B9-2BEC8669BB7F}"/>
+              </a:ext>
+            </a:extLst>
+          </p:cNvPr>
+          <p:cNvPicPr>
+            <a:picLocks noChangeAspect="1"/>
+          </p:cNvPicPr>
+          <p:nvPr/>
+        </p:nvPicPr>
+        <p:blipFill>
+          <a:blip r:embed="rId3">
+            <a:extLst>
+              <a:ext uri="{96DAC541-7B7A-43D3-8B79-37D633B846F1}">
+                <asvg:svgBlip xmlns:asvg="http://schemas.microsoft.com/office/drawing/2016/SVG/main" r:embed="rId4"/>
+              </a:ext>
+            </a:extLst>
+          </a:blip>
+          <a:stretch>
+            <a:fillRect/>
+          </a:stretch>
+        </p:blipFill>
+        <p:spPr>
+          <a:xfrm>
+            <a:off x="10440401" y="236076"/>
+            <a:ext cx="1445542" cy="833866"/>
+          </a:xfrm>
+          <a:prstGeom prst="rect">
+            <a:avLst/>
+          </a:prstGeom>
+        </p:spPr>
+      </p:pic>
+      <p:sp>
+        <p:nvSpPr>
+          <p:cNvPr id="8" name="TextBox 7">
+            <a:extLst>
+              <a:ext uri="{FF2B5EF4-FFF2-40B4-BE49-F238E27FC236}">
+                <a16:creationId xmlns:a16="http://schemas.microsoft.com/office/drawing/2014/main" id="{EADE8422-AC70-4FEE-B034-15802AB22BC6}"/>
+              </a:ext>
+            </a:extLst>
+          </p:cNvPr>
+          <p:cNvSpPr txBox="1"/>
+          <p:nvPr/>
+        </p:nvSpPr>
+        <p:spPr>
+          <a:xfrm>
+            <a:off x="294376" y="236867"/>
+            <a:ext cx="8105954" cy="523220"/>
+          </a:xfrm>
+          <a:prstGeom prst="rect">
+            <a:avLst/>
+          </a:prstGeom>
+          <a:noFill/>
+        </p:spPr>
+        <p:txBody>
+          <a:bodyPr rot="0" spcFirstLastPara="0" vertOverflow="overflow" horzOverflow="overflow" vert="horz" wrap="square" lIns="91440" tIns="45720" rIns="91440" bIns="45720" numCol="1" spcCol="0" rtlCol="0" fromWordArt="0" anchor="t" anchorCtr="0" forceAA="0" compatLnSpc="1">
+            <a:prstTxWarp prst="textNoShape">
+              <a:avLst/>
+            </a:prstTxWarp>
+            <a:spAutoFit/>
+          </a:bodyPr>
+          <a:lstStyle/>
+          <a:p>
+            <a:r>
+              <a:rPr lang="de-DE" sz="2800" dirty="0">
+                <a:solidFill>
+                  <a:srgbClr val="C00000"/>
+                </a:solidFill>
+                <a:cs typeface="Calibri"/>
+              </a:rPr>
+              <a:t>6. Welche Aspekte sollen untersucht werden?</a:t>
+            </a:r>
+          </a:p>
+        </p:txBody>
+      </p:sp>
+      <p:sp>
+        <p:nvSpPr>
+          <p:cNvPr id="9" name="TextBox 8">
+            <a:extLst>
+              <a:ext uri="{FF2B5EF4-FFF2-40B4-BE49-F238E27FC236}">
+                <a16:creationId xmlns:a16="http://schemas.microsoft.com/office/drawing/2014/main" id="{8297F85A-00B1-4007-A154-51DD613C8FC2}"/>
+              </a:ext>
+            </a:extLst>
+          </p:cNvPr>
+          <p:cNvSpPr txBox="1"/>
+          <p:nvPr/>
+        </p:nvSpPr>
+        <p:spPr>
+          <a:xfrm>
+            <a:off x="577787" y="1795277"/>
+            <a:ext cx="11124996" cy="480131"/>
+          </a:xfrm>
+          <a:prstGeom prst="rect">
+            <a:avLst/>
+          </a:prstGeom>
+          <a:noFill/>
+        </p:spPr>
+        <p:txBody>
+          <a:bodyPr rot="0" spcFirstLastPara="0" vertOverflow="overflow" horzOverflow="overflow" vert="horz" wrap="square" lIns="91440" tIns="45720" rIns="91440" bIns="45720" numCol="1" spcCol="0" rtlCol="0" fromWordArt="0" anchor="t" anchorCtr="0" forceAA="0" compatLnSpc="1">
+            <a:prstTxWarp prst="textNoShape">
+              <a:avLst/>
+            </a:prstTxWarp>
+            <a:spAutoFit/>
+          </a:bodyPr>
+          <a:lstStyle/>
+          <a:p>
+            <a:pPr>
+              <a:lnSpc>
+                <a:spcPct val="90000"/>
+              </a:lnSpc>
+              <a:spcBef>
+                <a:spcPts val="1000"/>
+              </a:spcBef>
+            </a:pPr>
+            <a:r>
+              <a:rPr lang="de-DE" sz="2800" dirty="0">
+                <a:solidFill>
+                  <a:srgbClr val="002060"/>
+                </a:solidFill>
+                <a:cs typeface="Calibri"/>
+              </a:rPr>
+              <a:t>Cloud Service Provider die untersucht werden sollen:</a:t>
+            </a:r>
+          </a:p>
+        </p:txBody>
+      </p:sp>
+      <p:sp>
+        <p:nvSpPr>
+          <p:cNvPr id="18" name="Slide Number Placeholder 17">
+            <a:extLst>
+              <a:ext uri="{FF2B5EF4-FFF2-40B4-BE49-F238E27FC236}">
+                <a16:creationId xmlns:a16="http://schemas.microsoft.com/office/drawing/2014/main" id="{D22FE225-8B88-40FF-8EF4-264E17A1B34D}"/>
+              </a:ext>
+            </a:extLst>
+          </p:cNvPr>
+          <p:cNvSpPr>
+            <a:spLocks noGrp="1"/>
+          </p:cNvSpPr>
+          <p:nvPr>
+            <p:ph type="sldNum" sz="quarter" idx="12"/>
+          </p:nvPr>
+        </p:nvSpPr>
+        <p:spPr>
+          <a:xfrm>
+            <a:off x="9444487" y="6485746"/>
+            <a:ext cx="2743200" cy="365125"/>
+          </a:xfrm>
+        </p:spPr>
+        <p:txBody>
+          <a:bodyPr/>
+          <a:lstStyle/>
+          <a:p>
+            <a:fld id="{330EA680-D336-4FF7-8B7A-9848BB0A1C32}" type="slidenum">
+              <a:rPr lang="en-US" sz="1800" dirty="0" smtClean="0">
+                <a:solidFill>
+                  <a:schemeClr val="bg1"/>
+                </a:solidFill>
+              </a:rPr>
+              <a:t>16</a:t>
+            </a:fld>
+            <a:endParaRPr lang="en-US" sz="1400">
+              <a:solidFill>
+                <a:schemeClr val="bg1"/>
+              </a:solidFill>
+              <a:cs typeface="Calibri"/>
+            </a:endParaRPr>
+          </a:p>
+        </p:txBody>
+      </p:sp>
+      <p:sp>
+        <p:nvSpPr>
+          <p:cNvPr id="17" name="Footer Placeholder 16">
+            <a:extLst>
+              <a:ext uri="{FF2B5EF4-FFF2-40B4-BE49-F238E27FC236}">
+                <a16:creationId xmlns:a16="http://schemas.microsoft.com/office/drawing/2014/main" id="{165A3098-C740-4F5D-8D74-C6787BFA1406}"/>
+              </a:ext>
+            </a:extLst>
+          </p:cNvPr>
+          <p:cNvSpPr>
+            <a:spLocks noGrp="1"/>
+          </p:cNvSpPr>
+          <p:nvPr>
+            <p:ph type="ftr" sz="quarter" idx="11"/>
+          </p:nvPr>
+        </p:nvSpPr>
+        <p:spPr>
+          <a:xfrm>
+            <a:off x="127958" y="6485746"/>
+            <a:ext cx="9146875" cy="365125"/>
+          </a:xfrm>
+        </p:spPr>
+        <p:txBody>
+          <a:bodyPr/>
+          <a:lstStyle/>
+          <a:p>
+            <a:pPr algn="l"/>
+            <a:r>
+              <a:rPr lang="en-US" sz="1800" dirty="0">
+                <a:solidFill>
+                  <a:schemeClr val="bg1"/>
+                </a:solidFill>
+              </a:rPr>
+              <a:t>Julian </a:t>
+            </a:r>
+            <a:r>
+              <a:rPr lang="en-US" sz="1800" dirty="0" err="1">
+                <a:solidFill>
+                  <a:schemeClr val="bg1"/>
+                </a:solidFill>
+              </a:rPr>
+              <a:t>Schallenmüller</a:t>
+            </a:r>
+            <a:r>
+              <a:rPr lang="en-US" sz="1800" dirty="0">
+                <a:solidFill>
+                  <a:schemeClr val="bg1"/>
+                </a:solidFill>
+              </a:rPr>
+              <a:t>                                                                 14.12.2021</a:t>
+            </a:r>
+            <a:endParaRPr lang="en-US" sz="1800" dirty="0">
+              <a:solidFill>
+                <a:schemeClr val="bg1"/>
+              </a:solidFill>
+              <a:cs typeface="Calibri"/>
+            </a:endParaRPr>
+          </a:p>
+        </p:txBody>
+      </p:sp>
+      <p:pic>
+        <p:nvPicPr>
+          <p:cNvPr id="3" name="Picture 9" descr="Logo, company name&#10;&#10;Description automatically generated">
+            <a:extLst>
+              <a:ext uri="{FF2B5EF4-FFF2-40B4-BE49-F238E27FC236}">
+                <a16:creationId xmlns:a16="http://schemas.microsoft.com/office/drawing/2014/main" id="{D4336FF2-B1E4-4A81-B08B-F33B8C8C7144}"/>
+              </a:ext>
+            </a:extLst>
+          </p:cNvPr>
+          <p:cNvPicPr>
+            <a:picLocks noChangeAspect="1"/>
+          </p:cNvPicPr>
+          <p:nvPr/>
+        </p:nvPicPr>
+        <p:blipFill>
+          <a:blip r:embed="rId5"/>
+          <a:stretch>
+            <a:fillRect/>
+          </a:stretch>
+        </p:blipFill>
+        <p:spPr>
+          <a:xfrm>
+            <a:off x="4298577" y="2791945"/>
+            <a:ext cx="3908611" cy="2204196"/>
+          </a:xfrm>
+          <a:prstGeom prst="rect">
+            <a:avLst/>
+          </a:prstGeom>
+        </p:spPr>
+      </p:pic>
+      <p:pic>
+        <p:nvPicPr>
+          <p:cNvPr id="11" name="Picture 11" descr="Logo&#10;&#10;Description automatically generated">
+            <a:extLst>
+              <a:ext uri="{FF2B5EF4-FFF2-40B4-BE49-F238E27FC236}">
+                <a16:creationId xmlns:a16="http://schemas.microsoft.com/office/drawing/2014/main" id="{EA0A3CDA-4F4F-443A-A633-AD28F7665A7F}"/>
+              </a:ext>
+            </a:extLst>
+          </p:cNvPr>
+          <p:cNvPicPr>
+            <a:picLocks noChangeAspect="1"/>
+          </p:cNvPicPr>
+          <p:nvPr/>
+        </p:nvPicPr>
+        <p:blipFill>
+          <a:blip r:embed="rId6"/>
+          <a:stretch>
+            <a:fillRect/>
+          </a:stretch>
+        </p:blipFill>
+        <p:spPr>
+          <a:xfrm>
+            <a:off x="8265459" y="2528047"/>
+            <a:ext cx="2743200" cy="2743200"/>
+          </a:xfrm>
+          <a:prstGeom prst="rect">
+            <a:avLst/>
+          </a:prstGeom>
+        </p:spPr>
+      </p:pic>
+      <p:pic>
+        <p:nvPicPr>
+          <p:cNvPr id="12" name="Picture 12" descr="A picture containing text, vector graphics, tableware, plate&#10;&#10;Description automatically generated">
+            <a:extLst>
+              <a:ext uri="{FF2B5EF4-FFF2-40B4-BE49-F238E27FC236}">
+                <a16:creationId xmlns:a16="http://schemas.microsoft.com/office/drawing/2014/main" id="{163144D6-811E-43A7-9AD8-0260D80FD013}"/>
+              </a:ext>
+            </a:extLst>
+          </p:cNvPr>
+          <p:cNvPicPr>
+            <a:picLocks noChangeAspect="1"/>
+          </p:cNvPicPr>
+          <p:nvPr/>
+        </p:nvPicPr>
+        <p:blipFill>
+          <a:blip r:embed="rId7"/>
+          <a:stretch>
+            <a:fillRect/>
+          </a:stretch>
+        </p:blipFill>
+        <p:spPr>
+          <a:xfrm>
+            <a:off x="1149723" y="3289599"/>
+            <a:ext cx="2743200" cy="1645920"/>
+          </a:xfrm>
+          <a:prstGeom prst="rect">
+            <a:avLst/>
+          </a:prstGeom>
+        </p:spPr>
+      </p:pic>
+    </p:spTree>
+    <p:extLst>
+      <p:ext uri="{BB962C8B-B14F-4D97-AF65-F5344CB8AC3E}">
+        <p14:creationId xmlns:p14="http://schemas.microsoft.com/office/powerpoint/2010/main" val="1645017562"/>
+      </p:ext>
+    </p:extLst>
+  </p:cSld>
+  <p:clrMapOvr>
+    <a:masterClrMapping/>
+  </p:clrMapOvr>
+</p:sld>
+</file>
+
+<file path=ppt/slides/slide17.xml><?xml version="1.0" encoding="utf-8"?>
+<p:sld xmlns:a="http://schemas.openxmlformats.org/drawingml/2006/main" xmlns:r="http://schemas.openxmlformats.org/officeDocument/2006/relationships" xmlns:p="http://schemas.openxmlformats.org/presentationml/2006/main">
+  <p:cSld>
+    <p:spTree>
+      <p:nvGrpSpPr>
+        <p:cNvPr id="1" name=""/>
+        <p:cNvGrpSpPr/>
+        <p:nvPr/>
+      </p:nvGrpSpPr>
+      <p:grpSpPr>
+        <a:xfrm>
+          <a:off x="0" y="0"/>
+          <a:ext cx="0" cy="0"/>
+          <a:chOff x="0" y="0"/>
+          <a:chExt cx="0" cy="0"/>
+        </a:xfrm>
+      </p:grpSpPr>
+      <p:sp>
+        <p:nvSpPr>
+          <p:cNvPr id="4" name="Rectangle 3">
+            <a:extLst>
+              <a:ext uri="{FF2B5EF4-FFF2-40B4-BE49-F238E27FC236}">
+                <a16:creationId xmlns:a16="http://schemas.microsoft.com/office/drawing/2014/main" id="{77667538-60D2-47CA-A93E-9D0A7ADFB8BE}"/>
+              </a:ext>
+            </a:extLst>
+          </p:cNvPr>
+          <p:cNvSpPr/>
+          <p:nvPr/>
+        </p:nvSpPr>
+        <p:spPr>
+          <a:xfrm>
+            <a:off x="2875" y="6479875"/>
+            <a:ext cx="12191999" cy="373811"/>
+          </a:xfrm>
+          <a:prstGeom prst="rect">
+            <a:avLst/>
+          </a:prstGeom>
+          <a:solidFill>
+            <a:schemeClr val="tx1">
+              <a:lumMod val="65000"/>
+              <a:lumOff val="35000"/>
+            </a:schemeClr>
+          </a:solidFill>
+          <a:ln>
+            <a:solidFill>
+              <a:schemeClr val="bg1">
+                <a:lumMod val="50000"/>
+              </a:schemeClr>
+            </a:solidFill>
+          </a:ln>
+        </p:spPr>
+        <p:style>
+          <a:lnRef idx="2">
+            <a:schemeClr val="accent1">
+              <a:shade val="50000"/>
+            </a:schemeClr>
+          </a:lnRef>
+          <a:fillRef idx="1">
+            <a:schemeClr val="accent1"/>
+          </a:fillRef>
+          <a:effectRef idx="0">
+            <a:schemeClr val="accent1"/>
+          </a:effectRef>
+          <a:fontRef idx="minor">
+            <a:schemeClr val="lt1"/>
+          </a:fontRef>
+        </p:style>
+        <p:txBody>
+          <a:bodyPr rtlCol="0" anchor="ctr"/>
+          <a:lstStyle/>
+          <a:p>
+            <a:pPr algn="ctr"/>
+            <a:endParaRPr lang="en-US" dirty="0">
+              <a:cs typeface="Calibri"/>
+            </a:endParaRPr>
+          </a:p>
+        </p:txBody>
+      </p:sp>
+      <p:sp>
+        <p:nvSpPr>
+          <p:cNvPr id="5" name="Rectangle 4">
+            <a:extLst>
+              <a:ext uri="{FF2B5EF4-FFF2-40B4-BE49-F238E27FC236}">
+                <a16:creationId xmlns:a16="http://schemas.microsoft.com/office/drawing/2014/main" id="{738D9316-9815-46FD-B099-B3EDEF130533}"/>
+              </a:ext>
+            </a:extLst>
+          </p:cNvPr>
+          <p:cNvSpPr/>
+          <p:nvPr/>
+        </p:nvSpPr>
+        <p:spPr>
+          <a:xfrm>
+            <a:off x="1977" y="1116222"/>
+            <a:ext cx="12191999" cy="100643"/>
+          </a:xfrm>
+          <a:prstGeom prst="rect">
+            <a:avLst/>
+          </a:prstGeom>
+          <a:solidFill>
+            <a:schemeClr val="accent1">
+              <a:lumMod val="50000"/>
+            </a:schemeClr>
+          </a:solidFill>
+        </p:spPr>
+        <p:style>
+          <a:lnRef idx="2">
+            <a:schemeClr val="accent1">
+              <a:shade val="50000"/>
+            </a:schemeClr>
+          </a:lnRef>
+          <a:fillRef idx="1">
+            <a:schemeClr val="accent1"/>
+          </a:fillRef>
+          <a:effectRef idx="0">
+            <a:schemeClr val="accent1"/>
+          </a:effectRef>
+          <a:fontRef idx="minor">
+            <a:schemeClr val="lt1"/>
+          </a:fontRef>
+        </p:style>
+        <p:txBody>
+          <a:bodyPr rtlCol="0" anchor="ctr"/>
+          <a:lstStyle/>
+          <a:p>
+            <a:pPr algn="ctr"/>
+            <a:endParaRPr lang="en-US"/>
+          </a:p>
+        </p:txBody>
+      </p:sp>
+      <p:pic>
+        <p:nvPicPr>
+          <p:cNvPr id="6" name="Picture 6" descr="Logo&#10;&#10;Description automatically generated">
+            <a:extLst>
+              <a:ext uri="{FF2B5EF4-FFF2-40B4-BE49-F238E27FC236}">
+                <a16:creationId xmlns:a16="http://schemas.microsoft.com/office/drawing/2014/main" id="{76EDA464-FB4B-4AB8-8271-5BD01A6722F3}"/>
+              </a:ext>
+            </a:extLst>
+          </p:cNvPr>
+          <p:cNvPicPr>
+            <a:picLocks noChangeAspect="1"/>
+          </p:cNvPicPr>
+          <p:nvPr/>
+        </p:nvPicPr>
+        <p:blipFill>
+          <a:blip r:embed="rId2"/>
+          <a:stretch>
+            <a:fillRect/>
+          </a:stretch>
+        </p:blipFill>
+        <p:spPr>
+          <a:xfrm>
+            <a:off x="9138249" y="442749"/>
+            <a:ext cx="1161691" cy="322203"/>
+          </a:xfrm>
+          <a:prstGeom prst="rect">
+            <a:avLst/>
+          </a:prstGeom>
+        </p:spPr>
+      </p:pic>
+      <p:pic>
+        <p:nvPicPr>
+          <p:cNvPr id="7" name="Graphic 6">
+            <a:extLst>
+              <a:ext uri="{FF2B5EF4-FFF2-40B4-BE49-F238E27FC236}">
+                <a16:creationId xmlns:a16="http://schemas.microsoft.com/office/drawing/2014/main" id="{965220E7-50D9-45C0-92B9-2BEC8669BB7F}"/>
+              </a:ext>
+            </a:extLst>
+          </p:cNvPr>
+          <p:cNvPicPr>
+            <a:picLocks noChangeAspect="1"/>
+          </p:cNvPicPr>
+          <p:nvPr/>
+        </p:nvPicPr>
+        <p:blipFill>
+          <a:blip r:embed="rId3">
+            <a:extLst>
+              <a:ext uri="{96DAC541-7B7A-43D3-8B79-37D633B846F1}">
+                <asvg:svgBlip xmlns:asvg="http://schemas.microsoft.com/office/drawing/2016/SVG/main" r:embed="rId4"/>
+              </a:ext>
+            </a:extLst>
+          </a:blip>
+          <a:stretch>
+            <a:fillRect/>
+          </a:stretch>
+        </p:blipFill>
+        <p:spPr>
+          <a:xfrm>
+            <a:off x="10440401" y="236076"/>
+            <a:ext cx="1445542" cy="833866"/>
+          </a:xfrm>
+          <a:prstGeom prst="rect">
+            <a:avLst/>
+          </a:prstGeom>
+        </p:spPr>
+      </p:pic>
+      <p:sp>
+        <p:nvSpPr>
+          <p:cNvPr id="8" name="TextBox 7">
+            <a:extLst>
+              <a:ext uri="{FF2B5EF4-FFF2-40B4-BE49-F238E27FC236}">
+                <a16:creationId xmlns:a16="http://schemas.microsoft.com/office/drawing/2014/main" id="{EADE8422-AC70-4FEE-B034-15802AB22BC6}"/>
+              </a:ext>
+            </a:extLst>
+          </p:cNvPr>
+          <p:cNvSpPr txBox="1"/>
+          <p:nvPr/>
+        </p:nvSpPr>
+        <p:spPr>
+          <a:xfrm>
+            <a:off x="294376" y="236867"/>
+            <a:ext cx="8105954" cy="523220"/>
+          </a:xfrm>
+          <a:prstGeom prst="rect">
+            <a:avLst/>
+          </a:prstGeom>
+          <a:noFill/>
+        </p:spPr>
+        <p:txBody>
+          <a:bodyPr rot="0" spcFirstLastPara="0" vertOverflow="overflow" horzOverflow="overflow" vert="horz" wrap="square" lIns="91440" tIns="45720" rIns="91440" bIns="45720" numCol="1" spcCol="0" rtlCol="0" fromWordArt="0" anchor="t" anchorCtr="0" forceAA="0" compatLnSpc="1">
+            <a:prstTxWarp prst="textNoShape">
+              <a:avLst/>
+            </a:prstTxWarp>
+            <a:spAutoFit/>
+          </a:bodyPr>
+          <a:lstStyle/>
+          <a:p>
+            <a:r>
+              <a:rPr lang="de-DE" sz="2800" dirty="0">
+                <a:solidFill>
+                  <a:srgbClr val="C00000"/>
+                </a:solidFill>
+                <a:cs typeface="Calibri"/>
+              </a:rPr>
+              <a:t>6. Welche Aspekte sollen untersucht werden?</a:t>
+            </a:r>
+          </a:p>
+        </p:txBody>
+      </p:sp>
+      <p:sp>
+        <p:nvSpPr>
+          <p:cNvPr id="9" name="TextBox 8">
+            <a:extLst>
+              <a:ext uri="{FF2B5EF4-FFF2-40B4-BE49-F238E27FC236}">
+                <a16:creationId xmlns:a16="http://schemas.microsoft.com/office/drawing/2014/main" id="{8297F85A-00B1-4007-A154-51DD613C8FC2}"/>
+              </a:ext>
+            </a:extLst>
+          </p:cNvPr>
+          <p:cNvSpPr txBox="1"/>
+          <p:nvPr/>
+        </p:nvSpPr>
+        <p:spPr>
+          <a:xfrm>
+            <a:off x="577787" y="1795277"/>
+            <a:ext cx="11124996" cy="480131"/>
+          </a:xfrm>
+          <a:prstGeom prst="rect">
+            <a:avLst/>
+          </a:prstGeom>
+          <a:noFill/>
+        </p:spPr>
+        <p:txBody>
+          <a:bodyPr rot="0" spcFirstLastPara="0" vertOverflow="overflow" horzOverflow="overflow" vert="horz" wrap="square" lIns="91440" tIns="45720" rIns="91440" bIns="45720" numCol="1" spcCol="0" rtlCol="0" fromWordArt="0" anchor="t" anchorCtr="0" forceAA="0" compatLnSpc="1">
+            <a:prstTxWarp prst="textNoShape">
+              <a:avLst/>
+            </a:prstTxWarp>
+            <a:spAutoFit/>
+          </a:bodyPr>
+          <a:lstStyle/>
+          <a:p>
+            <a:pPr>
+              <a:lnSpc>
+                <a:spcPct val="90000"/>
+              </a:lnSpc>
+              <a:spcBef>
+                <a:spcPts val="1000"/>
+              </a:spcBef>
+            </a:pPr>
+            <a:r>
+              <a:rPr lang="de-DE" sz="2800" dirty="0">
+                <a:solidFill>
+                  <a:srgbClr val="002060"/>
+                </a:solidFill>
+                <a:cs typeface="Calibri"/>
+              </a:rPr>
+              <a:t>Grundlage sollen Aspekte der ISO 25010 für Softwarequalität sein.</a:t>
+            </a:r>
+          </a:p>
+        </p:txBody>
+      </p:sp>
+      <p:sp>
+        <p:nvSpPr>
+          <p:cNvPr id="18" name="Slide Number Placeholder 17">
+            <a:extLst>
+              <a:ext uri="{FF2B5EF4-FFF2-40B4-BE49-F238E27FC236}">
+                <a16:creationId xmlns:a16="http://schemas.microsoft.com/office/drawing/2014/main" id="{D22FE225-8B88-40FF-8EF4-264E17A1B34D}"/>
+              </a:ext>
+            </a:extLst>
+          </p:cNvPr>
+          <p:cNvSpPr>
+            <a:spLocks noGrp="1"/>
+          </p:cNvSpPr>
+          <p:nvPr>
+            <p:ph type="sldNum" sz="quarter" idx="12"/>
+          </p:nvPr>
+        </p:nvSpPr>
+        <p:spPr>
+          <a:xfrm>
+            <a:off x="9444487" y="6485746"/>
+            <a:ext cx="2743200" cy="365125"/>
+          </a:xfrm>
+        </p:spPr>
+        <p:txBody>
+          <a:bodyPr/>
+          <a:lstStyle/>
+          <a:p>
+            <a:fld id="{330EA680-D336-4FF7-8B7A-9848BB0A1C32}" type="slidenum">
+              <a:rPr lang="en-US" sz="1800" dirty="0" smtClean="0">
+                <a:solidFill>
+                  <a:schemeClr val="bg1"/>
+                </a:solidFill>
+              </a:rPr>
+              <a:t>17</a:t>
+            </a:fld>
+            <a:endParaRPr lang="en-US" sz="1400">
+              <a:solidFill>
+                <a:schemeClr val="bg1"/>
+              </a:solidFill>
+              <a:cs typeface="Calibri"/>
+            </a:endParaRPr>
+          </a:p>
+        </p:txBody>
+      </p:sp>
+      <p:sp>
+        <p:nvSpPr>
+          <p:cNvPr id="17" name="Footer Placeholder 16">
+            <a:extLst>
+              <a:ext uri="{FF2B5EF4-FFF2-40B4-BE49-F238E27FC236}">
+                <a16:creationId xmlns:a16="http://schemas.microsoft.com/office/drawing/2014/main" id="{165A3098-C740-4F5D-8D74-C6787BFA1406}"/>
+              </a:ext>
+            </a:extLst>
+          </p:cNvPr>
+          <p:cNvSpPr>
+            <a:spLocks noGrp="1"/>
+          </p:cNvSpPr>
+          <p:nvPr>
+            <p:ph type="ftr" sz="quarter" idx="11"/>
+          </p:nvPr>
+        </p:nvSpPr>
+        <p:spPr>
+          <a:xfrm>
+            <a:off x="127958" y="6485746"/>
+            <a:ext cx="9146875" cy="365125"/>
+          </a:xfrm>
+        </p:spPr>
+        <p:txBody>
+          <a:bodyPr/>
+          <a:lstStyle/>
+          <a:p>
+            <a:pPr algn="l"/>
+            <a:r>
+              <a:rPr lang="en-US" sz="1800" dirty="0">
+                <a:solidFill>
+                  <a:schemeClr val="bg1"/>
+                </a:solidFill>
+              </a:rPr>
+              <a:t>Julian </a:t>
+            </a:r>
+            <a:r>
+              <a:rPr lang="en-US" sz="1800" dirty="0" err="1">
+                <a:solidFill>
+                  <a:schemeClr val="bg1"/>
+                </a:solidFill>
+              </a:rPr>
+              <a:t>Schallenmüller</a:t>
+            </a:r>
+            <a:r>
+              <a:rPr lang="en-US" sz="1800" dirty="0">
+                <a:solidFill>
+                  <a:schemeClr val="bg1"/>
+                </a:solidFill>
+              </a:rPr>
+              <a:t>                                                                 14.12.2021</a:t>
+            </a:r>
+            <a:endParaRPr lang="en-US" sz="1800" dirty="0">
+              <a:solidFill>
+                <a:schemeClr val="bg1"/>
+              </a:solidFill>
+              <a:cs typeface="Calibri"/>
+            </a:endParaRPr>
+          </a:p>
+        </p:txBody>
+      </p:sp>
+      <p:pic>
+        <p:nvPicPr>
+          <p:cNvPr id="2" name="Picture 2" descr="A picture containing graphical user interface&#10;&#10;Description automatically generated">
+            <a:extLst>
+              <a:ext uri="{FF2B5EF4-FFF2-40B4-BE49-F238E27FC236}">
+                <a16:creationId xmlns:a16="http://schemas.microsoft.com/office/drawing/2014/main" id="{F3F76755-D3BF-4EC2-A800-C3BE166D208F}"/>
+              </a:ext>
+            </a:extLst>
+          </p:cNvPr>
+          <p:cNvPicPr>
+            <a:picLocks noChangeAspect="1"/>
+          </p:cNvPicPr>
+          <p:nvPr/>
+        </p:nvPicPr>
+        <p:blipFill>
+          <a:blip r:embed="rId5"/>
+          <a:stretch>
+            <a:fillRect/>
+          </a:stretch>
+        </p:blipFill>
+        <p:spPr>
+          <a:xfrm>
+            <a:off x="499784" y="2391296"/>
+            <a:ext cx="11203638" cy="3207201"/>
+          </a:xfrm>
+          <a:prstGeom prst="rect">
+            <a:avLst/>
+          </a:prstGeom>
+        </p:spPr>
+      </p:pic>
+    </p:spTree>
+    <p:extLst>
+      <p:ext uri="{BB962C8B-B14F-4D97-AF65-F5344CB8AC3E}">
+        <p14:creationId xmlns:p14="http://schemas.microsoft.com/office/powerpoint/2010/main" val="1668167737"/>
+      </p:ext>
+    </p:extLst>
+  </p:cSld>
+  <p:clrMapOvr>
+    <a:masterClrMapping/>
+  </p:clrMapOvr>
+</p:sld>
+</file>
+
+<file path=ppt/slides/slide18.xml><?xml version="1.0" encoding="utf-8"?>
+<p:sld xmlns:a="http://schemas.openxmlformats.org/drawingml/2006/main" xmlns:r="http://schemas.openxmlformats.org/officeDocument/2006/relationships" xmlns:p="http://schemas.openxmlformats.org/presentationml/2006/main">
+  <p:cSld>
+    <p:spTree>
+      <p:nvGrpSpPr>
+        <p:cNvPr id="1" name=""/>
+        <p:cNvGrpSpPr/>
+        <p:nvPr/>
+      </p:nvGrpSpPr>
+      <p:grpSpPr>
+        <a:xfrm>
+          <a:off x="0" y="0"/>
+          <a:ext cx="0" cy="0"/>
+          <a:chOff x="0" y="0"/>
+          <a:chExt cx="0" cy="0"/>
+        </a:xfrm>
+      </p:grpSpPr>
+      <p:sp>
+        <p:nvSpPr>
+          <p:cNvPr id="4" name="Rectangle 3">
+            <a:extLst>
+              <a:ext uri="{FF2B5EF4-FFF2-40B4-BE49-F238E27FC236}">
+                <a16:creationId xmlns:a16="http://schemas.microsoft.com/office/drawing/2014/main" id="{77667538-60D2-47CA-A93E-9D0A7ADFB8BE}"/>
+              </a:ext>
+            </a:extLst>
+          </p:cNvPr>
+          <p:cNvSpPr/>
+          <p:nvPr/>
+        </p:nvSpPr>
+        <p:spPr>
+          <a:xfrm>
+            <a:off x="2875" y="6479875"/>
+            <a:ext cx="12191999" cy="373811"/>
+          </a:xfrm>
+          <a:prstGeom prst="rect">
+            <a:avLst/>
+          </a:prstGeom>
+          <a:solidFill>
+            <a:schemeClr val="tx1">
+              <a:lumMod val="65000"/>
+              <a:lumOff val="35000"/>
+            </a:schemeClr>
+          </a:solidFill>
+          <a:ln>
+            <a:solidFill>
+              <a:schemeClr val="bg1">
+                <a:lumMod val="50000"/>
+              </a:schemeClr>
+            </a:solidFill>
+          </a:ln>
+        </p:spPr>
+        <p:style>
+          <a:lnRef idx="2">
+            <a:schemeClr val="accent1">
+              <a:shade val="50000"/>
+            </a:schemeClr>
+          </a:lnRef>
+          <a:fillRef idx="1">
+            <a:schemeClr val="accent1"/>
+          </a:fillRef>
+          <a:effectRef idx="0">
+            <a:schemeClr val="accent1"/>
+          </a:effectRef>
+          <a:fontRef idx="minor">
+            <a:schemeClr val="lt1"/>
+          </a:fontRef>
+        </p:style>
+        <p:txBody>
+          <a:bodyPr rtlCol="0" anchor="ctr"/>
+          <a:lstStyle/>
+          <a:p>
+            <a:pPr algn="ctr"/>
+            <a:endParaRPr lang="en-US" dirty="0">
+              <a:cs typeface="Calibri"/>
+            </a:endParaRPr>
+          </a:p>
+        </p:txBody>
+      </p:sp>
+      <p:sp>
+        <p:nvSpPr>
+          <p:cNvPr id="5" name="Rectangle 4">
+            <a:extLst>
+              <a:ext uri="{FF2B5EF4-FFF2-40B4-BE49-F238E27FC236}">
+                <a16:creationId xmlns:a16="http://schemas.microsoft.com/office/drawing/2014/main" id="{738D9316-9815-46FD-B099-B3EDEF130533}"/>
+              </a:ext>
+            </a:extLst>
+          </p:cNvPr>
+          <p:cNvSpPr/>
+          <p:nvPr/>
+        </p:nvSpPr>
+        <p:spPr>
+          <a:xfrm>
+            <a:off x="1977" y="1116222"/>
+            <a:ext cx="12191999" cy="100643"/>
+          </a:xfrm>
+          <a:prstGeom prst="rect">
+            <a:avLst/>
+          </a:prstGeom>
+          <a:solidFill>
+            <a:schemeClr val="accent1">
+              <a:lumMod val="50000"/>
+            </a:schemeClr>
+          </a:solidFill>
+        </p:spPr>
+        <p:style>
+          <a:lnRef idx="2">
+            <a:schemeClr val="accent1">
+              <a:shade val="50000"/>
+            </a:schemeClr>
+          </a:lnRef>
+          <a:fillRef idx="1">
+            <a:schemeClr val="accent1"/>
+          </a:fillRef>
+          <a:effectRef idx="0">
+            <a:schemeClr val="accent1"/>
+          </a:effectRef>
+          <a:fontRef idx="minor">
+            <a:schemeClr val="lt1"/>
+          </a:fontRef>
+        </p:style>
+        <p:txBody>
+          <a:bodyPr rtlCol="0" anchor="ctr"/>
+          <a:lstStyle/>
+          <a:p>
+            <a:pPr algn="ctr"/>
+            <a:endParaRPr lang="en-US"/>
+          </a:p>
+        </p:txBody>
+      </p:sp>
+      <p:pic>
+        <p:nvPicPr>
+          <p:cNvPr id="6" name="Picture 6" descr="Logo&#10;&#10;Description automatically generated">
+            <a:extLst>
+              <a:ext uri="{FF2B5EF4-FFF2-40B4-BE49-F238E27FC236}">
+                <a16:creationId xmlns:a16="http://schemas.microsoft.com/office/drawing/2014/main" id="{76EDA464-FB4B-4AB8-8271-5BD01A6722F3}"/>
+              </a:ext>
+            </a:extLst>
+          </p:cNvPr>
+          <p:cNvPicPr>
+            <a:picLocks noChangeAspect="1"/>
+          </p:cNvPicPr>
+          <p:nvPr/>
+        </p:nvPicPr>
+        <p:blipFill>
+          <a:blip r:embed="rId2"/>
+          <a:stretch>
+            <a:fillRect/>
+          </a:stretch>
+        </p:blipFill>
+        <p:spPr>
+          <a:xfrm>
+            <a:off x="9138249" y="442749"/>
+            <a:ext cx="1161691" cy="322203"/>
+          </a:xfrm>
+          <a:prstGeom prst="rect">
+            <a:avLst/>
+          </a:prstGeom>
+        </p:spPr>
+      </p:pic>
+      <p:pic>
+        <p:nvPicPr>
+          <p:cNvPr id="7" name="Graphic 6">
+            <a:extLst>
+              <a:ext uri="{FF2B5EF4-FFF2-40B4-BE49-F238E27FC236}">
+                <a16:creationId xmlns:a16="http://schemas.microsoft.com/office/drawing/2014/main" id="{965220E7-50D9-45C0-92B9-2BEC8669BB7F}"/>
+              </a:ext>
+            </a:extLst>
+          </p:cNvPr>
+          <p:cNvPicPr>
+            <a:picLocks noChangeAspect="1"/>
+          </p:cNvPicPr>
+          <p:nvPr/>
+        </p:nvPicPr>
+        <p:blipFill>
+          <a:blip r:embed="rId3">
+            <a:extLst>
+              <a:ext uri="{96DAC541-7B7A-43D3-8B79-37D633B846F1}">
+                <asvg:svgBlip xmlns:asvg="http://schemas.microsoft.com/office/drawing/2016/SVG/main" r:embed="rId4"/>
+              </a:ext>
+            </a:extLst>
+          </a:blip>
+          <a:stretch>
+            <a:fillRect/>
+          </a:stretch>
+        </p:blipFill>
+        <p:spPr>
+          <a:xfrm>
+            <a:off x="10440401" y="236076"/>
+            <a:ext cx="1445542" cy="833866"/>
+          </a:xfrm>
+          <a:prstGeom prst="rect">
+            <a:avLst/>
+          </a:prstGeom>
+        </p:spPr>
+      </p:pic>
+      <p:sp>
+        <p:nvSpPr>
+          <p:cNvPr id="8" name="TextBox 7">
+            <a:extLst>
+              <a:ext uri="{FF2B5EF4-FFF2-40B4-BE49-F238E27FC236}">
+                <a16:creationId xmlns:a16="http://schemas.microsoft.com/office/drawing/2014/main" id="{EADE8422-AC70-4FEE-B034-15802AB22BC6}"/>
+              </a:ext>
+            </a:extLst>
+          </p:cNvPr>
+          <p:cNvSpPr txBox="1"/>
+          <p:nvPr/>
+        </p:nvSpPr>
+        <p:spPr>
+          <a:xfrm>
+            <a:off x="384023" y="124808"/>
+            <a:ext cx="8105954" cy="954107"/>
+          </a:xfrm>
+          <a:prstGeom prst="rect">
+            <a:avLst/>
+          </a:prstGeom>
+          <a:noFill/>
+        </p:spPr>
+        <p:txBody>
+          <a:bodyPr rot="0" spcFirstLastPara="0" vertOverflow="overflow" horzOverflow="overflow" vert="horz" wrap="square" lIns="91440" tIns="45720" rIns="91440" bIns="45720" numCol="1" spcCol="0" rtlCol="0" fromWordArt="0" anchor="t" anchorCtr="0" forceAA="0" compatLnSpc="1">
+            <a:prstTxWarp prst="textNoShape">
+              <a:avLst/>
+            </a:prstTxWarp>
+            <a:spAutoFit/>
+          </a:bodyPr>
+          <a:lstStyle/>
+          <a:p>
+            <a:r>
+              <a:rPr lang="de-DE" sz="2800" dirty="0">
+                <a:solidFill>
+                  <a:srgbClr val="C00000"/>
+                </a:solidFill>
+                <a:cs typeface="Calibri"/>
+              </a:rPr>
+              <a:t>Weiterführende Themen / Interessante Fragestellungen</a:t>
+            </a:r>
+          </a:p>
+        </p:txBody>
+      </p:sp>
+      <p:sp>
+        <p:nvSpPr>
+          <p:cNvPr id="9" name="TextBox 8">
+            <a:extLst>
+              <a:ext uri="{FF2B5EF4-FFF2-40B4-BE49-F238E27FC236}">
+                <a16:creationId xmlns:a16="http://schemas.microsoft.com/office/drawing/2014/main" id="{8297F85A-00B1-4007-A154-51DD613C8FC2}"/>
+              </a:ext>
+            </a:extLst>
+          </p:cNvPr>
+          <p:cNvSpPr txBox="1"/>
+          <p:nvPr/>
+        </p:nvSpPr>
+        <p:spPr>
+          <a:xfrm>
+            <a:off x="577787" y="1795277"/>
+            <a:ext cx="11124996" cy="2803844"/>
+          </a:xfrm>
+          <a:prstGeom prst="rect">
+            <a:avLst/>
+          </a:prstGeom>
+          <a:noFill/>
+        </p:spPr>
+        <p:txBody>
+          <a:bodyPr rot="0" spcFirstLastPara="0" vertOverflow="overflow" horzOverflow="overflow" vert="horz" wrap="square" lIns="91440" tIns="45720" rIns="91440" bIns="45720" numCol="1" spcCol="0" rtlCol="0" fromWordArt="0" anchor="t" anchorCtr="0" forceAA="0" compatLnSpc="1">
+            <a:prstTxWarp prst="textNoShape">
+              <a:avLst/>
+            </a:prstTxWarp>
+            <a:spAutoFit/>
+          </a:bodyPr>
+          <a:lstStyle/>
+          <a:p>
+            <a:pPr marL="457200" indent="-457200">
+              <a:lnSpc>
+                <a:spcPct val="90000"/>
+              </a:lnSpc>
+              <a:spcBef>
+                <a:spcPts val="1000"/>
+              </a:spcBef>
+              <a:buFont typeface="Arial"/>
+              <a:buChar char="•"/>
+            </a:pPr>
+            <a:r>
+              <a:rPr lang="de-DE" sz="2800" dirty="0">
+                <a:solidFill>
+                  <a:srgbClr val="002060"/>
+                </a:solidFill>
+                <a:ea typeface="+mn-lt"/>
+                <a:cs typeface="+mn-lt"/>
+              </a:rPr>
+              <a:t>Erweiterung auf andere CSP: IBM Cloud, Open Telekom Cloud, Alibaba Cloud, Oracle Cloud, ...</a:t>
+            </a:r>
+          </a:p>
+          <a:p>
+            <a:pPr marL="457200" indent="-457200">
+              <a:lnSpc>
+                <a:spcPct val="90000"/>
+              </a:lnSpc>
+              <a:spcBef>
+                <a:spcPts val="1000"/>
+              </a:spcBef>
+              <a:buFont typeface="Arial"/>
+              <a:buChar char="•"/>
+            </a:pPr>
+            <a:r>
+              <a:rPr lang="de-DE" sz="2800" dirty="0">
+                <a:solidFill>
+                  <a:srgbClr val="002060"/>
+                </a:solidFill>
+                <a:cs typeface="Calibri"/>
+              </a:rPr>
+              <a:t>Vergleich verschiedener </a:t>
+            </a:r>
+            <a:r>
+              <a:rPr lang="de-DE" sz="2800" dirty="0" err="1">
+                <a:solidFill>
+                  <a:srgbClr val="002060"/>
+                </a:solidFill>
+                <a:cs typeface="Calibri"/>
+              </a:rPr>
+              <a:t>IaC</a:t>
+            </a:r>
+            <a:r>
+              <a:rPr lang="de-DE" sz="2800" dirty="0">
+                <a:solidFill>
+                  <a:srgbClr val="002060"/>
+                </a:solidFill>
+                <a:cs typeface="Calibri"/>
+              </a:rPr>
+              <a:t> Tools / </a:t>
+            </a:r>
+            <a:r>
+              <a:rPr lang="de-DE" sz="2800" dirty="0" err="1">
+                <a:solidFill>
+                  <a:srgbClr val="002060"/>
+                </a:solidFill>
+                <a:cs typeface="Calibri"/>
+              </a:rPr>
+              <a:t>Toolstacks</a:t>
+            </a:r>
+            <a:r>
+              <a:rPr lang="de-DE" sz="2800" dirty="0">
+                <a:solidFill>
+                  <a:srgbClr val="002060"/>
+                </a:solidFill>
+                <a:cs typeface="Calibri"/>
+              </a:rPr>
+              <a:t> (Terraform </a:t>
+            </a:r>
+            <a:r>
+              <a:rPr lang="de-DE" sz="2800" dirty="0" err="1">
+                <a:solidFill>
+                  <a:srgbClr val="002060"/>
+                </a:solidFill>
+                <a:cs typeface="Calibri"/>
+              </a:rPr>
+              <a:t>vs</a:t>
+            </a:r>
+            <a:r>
+              <a:rPr lang="de-DE" sz="2800" dirty="0">
+                <a:solidFill>
+                  <a:srgbClr val="002060"/>
+                </a:solidFill>
+                <a:cs typeface="Calibri"/>
+              </a:rPr>
+              <a:t> </a:t>
+            </a:r>
+            <a:r>
+              <a:rPr lang="de-DE" sz="2800" dirty="0" err="1">
+                <a:solidFill>
+                  <a:srgbClr val="002060"/>
+                </a:solidFill>
+                <a:cs typeface="Calibri"/>
+              </a:rPr>
+              <a:t>Pulumi</a:t>
+            </a:r>
+            <a:r>
+              <a:rPr lang="de-DE" sz="2800" dirty="0">
+                <a:solidFill>
+                  <a:srgbClr val="002060"/>
+                </a:solidFill>
+                <a:cs typeface="Calibri"/>
+              </a:rPr>
+              <a:t>)</a:t>
+            </a:r>
+          </a:p>
+          <a:p>
+            <a:pPr marL="457200" indent="-457200">
+              <a:lnSpc>
+                <a:spcPct val="90000"/>
+              </a:lnSpc>
+              <a:spcBef>
+                <a:spcPts val="1000"/>
+              </a:spcBef>
+              <a:buFont typeface="Arial"/>
+              <a:buChar char="•"/>
+            </a:pPr>
+            <a:r>
+              <a:rPr lang="de-DE" sz="2800" dirty="0" err="1">
+                <a:solidFill>
+                  <a:srgbClr val="002060"/>
+                </a:solidFill>
+                <a:cs typeface="Calibri"/>
+              </a:rPr>
+              <a:t>IaC</a:t>
+            </a:r>
+            <a:r>
+              <a:rPr lang="de-DE" sz="2800" dirty="0">
+                <a:solidFill>
+                  <a:srgbClr val="002060"/>
+                </a:solidFill>
+                <a:cs typeface="Calibri"/>
+              </a:rPr>
+              <a:t> </a:t>
+            </a:r>
+            <a:r>
+              <a:rPr lang="de-DE" sz="2800" dirty="0" err="1">
+                <a:solidFill>
+                  <a:srgbClr val="002060"/>
+                </a:solidFill>
+                <a:cs typeface="Calibri"/>
+              </a:rPr>
+              <a:t>Testing</a:t>
+            </a:r>
+            <a:r>
+              <a:rPr lang="de-DE" sz="2800" dirty="0">
+                <a:solidFill>
+                  <a:srgbClr val="002060"/>
+                </a:solidFill>
+                <a:cs typeface="Calibri"/>
+              </a:rPr>
+              <a:t> in Terraform und anderen Tools</a:t>
+            </a:r>
+          </a:p>
+          <a:p>
+            <a:pPr marL="457200" indent="-457200">
+              <a:lnSpc>
+                <a:spcPct val="90000"/>
+              </a:lnSpc>
+              <a:spcBef>
+                <a:spcPts val="1000"/>
+              </a:spcBef>
+              <a:buFont typeface="Arial"/>
+              <a:buChar char="•"/>
+            </a:pPr>
+            <a:r>
+              <a:rPr lang="de-DE" sz="2800" dirty="0">
+                <a:solidFill>
+                  <a:srgbClr val="002060"/>
+                </a:solidFill>
+                <a:cs typeface="Calibri"/>
+              </a:rPr>
+              <a:t>Thema Cloud </a:t>
+            </a:r>
+            <a:r>
+              <a:rPr lang="de-DE" sz="2800" dirty="0" err="1">
+                <a:solidFill>
+                  <a:srgbClr val="002060"/>
+                </a:solidFill>
+                <a:cs typeface="Calibri"/>
+              </a:rPr>
+              <a:t>Agnostic</a:t>
+            </a:r>
+            <a:r>
+              <a:rPr lang="de-DE" sz="2800" dirty="0">
+                <a:solidFill>
+                  <a:srgbClr val="002060"/>
+                </a:solidFill>
+                <a:cs typeface="Calibri"/>
+              </a:rPr>
+              <a:t>: </a:t>
+            </a:r>
+            <a:r>
+              <a:rPr lang="de-DE" sz="2800" dirty="0" err="1">
+                <a:solidFill>
+                  <a:srgbClr val="002060"/>
+                </a:solidFill>
+                <a:cs typeface="Calibri"/>
+              </a:rPr>
+              <a:t>Expectation</a:t>
+            </a:r>
+            <a:r>
+              <a:rPr lang="de-DE" sz="2800" dirty="0">
+                <a:solidFill>
+                  <a:srgbClr val="002060"/>
+                </a:solidFill>
+                <a:cs typeface="Calibri"/>
+              </a:rPr>
+              <a:t> </a:t>
+            </a:r>
+            <a:r>
+              <a:rPr lang="de-DE" sz="2800" dirty="0" err="1">
+                <a:solidFill>
+                  <a:srgbClr val="002060"/>
+                </a:solidFill>
+                <a:cs typeface="Calibri"/>
+              </a:rPr>
+              <a:t>vs</a:t>
+            </a:r>
+            <a:r>
+              <a:rPr lang="de-DE" sz="2800" dirty="0">
+                <a:solidFill>
+                  <a:srgbClr val="002060"/>
+                </a:solidFill>
+                <a:cs typeface="Calibri"/>
+              </a:rPr>
+              <a:t> Reality  und wie weit lässt sich "echte" Cloud </a:t>
+            </a:r>
+            <a:r>
+              <a:rPr lang="de-DE" sz="2800" dirty="0" err="1">
+                <a:solidFill>
+                  <a:srgbClr val="002060"/>
+                </a:solidFill>
+                <a:cs typeface="Calibri"/>
+              </a:rPr>
+              <a:t>Agnostizität</a:t>
+            </a:r>
+            <a:r>
+              <a:rPr lang="de-DE" sz="2800" dirty="0">
+                <a:solidFill>
+                  <a:srgbClr val="002060"/>
+                </a:solidFill>
+                <a:cs typeface="Calibri"/>
+              </a:rPr>
+              <a:t> umsetzen</a:t>
+            </a:r>
+          </a:p>
+        </p:txBody>
+      </p:sp>
+      <p:sp>
+        <p:nvSpPr>
+          <p:cNvPr id="18" name="Slide Number Placeholder 17">
+            <a:extLst>
+              <a:ext uri="{FF2B5EF4-FFF2-40B4-BE49-F238E27FC236}">
+                <a16:creationId xmlns:a16="http://schemas.microsoft.com/office/drawing/2014/main" id="{D22FE225-8B88-40FF-8EF4-264E17A1B34D}"/>
+              </a:ext>
+            </a:extLst>
+          </p:cNvPr>
+          <p:cNvSpPr>
+            <a:spLocks noGrp="1"/>
+          </p:cNvSpPr>
+          <p:nvPr>
+            <p:ph type="sldNum" sz="quarter" idx="12"/>
+          </p:nvPr>
+        </p:nvSpPr>
+        <p:spPr>
+          <a:xfrm>
+            <a:off x="9444487" y="6485746"/>
+            <a:ext cx="2743200" cy="365125"/>
+          </a:xfrm>
+        </p:spPr>
+        <p:txBody>
+          <a:bodyPr/>
+          <a:lstStyle/>
+          <a:p>
+            <a:fld id="{330EA680-D336-4FF7-8B7A-9848BB0A1C32}" type="slidenum">
+              <a:rPr lang="en-US" sz="1800" dirty="0" smtClean="0">
+                <a:solidFill>
+                  <a:schemeClr val="bg1"/>
+                </a:solidFill>
+              </a:rPr>
+              <a:t>18</a:t>
+            </a:fld>
+            <a:endParaRPr lang="en-US" sz="1400">
+              <a:solidFill>
+                <a:schemeClr val="bg1"/>
+              </a:solidFill>
+              <a:cs typeface="Calibri"/>
+            </a:endParaRPr>
+          </a:p>
+        </p:txBody>
+      </p:sp>
+      <p:sp>
+        <p:nvSpPr>
+          <p:cNvPr id="17" name="Footer Placeholder 16">
+            <a:extLst>
+              <a:ext uri="{FF2B5EF4-FFF2-40B4-BE49-F238E27FC236}">
+                <a16:creationId xmlns:a16="http://schemas.microsoft.com/office/drawing/2014/main" id="{165A3098-C740-4F5D-8D74-C6787BFA1406}"/>
+              </a:ext>
+            </a:extLst>
+          </p:cNvPr>
+          <p:cNvSpPr>
+            <a:spLocks noGrp="1"/>
+          </p:cNvSpPr>
+          <p:nvPr>
+            <p:ph type="ftr" sz="quarter" idx="11"/>
+          </p:nvPr>
+        </p:nvSpPr>
+        <p:spPr>
+          <a:xfrm>
+            <a:off x="127958" y="6485746"/>
+            <a:ext cx="9146875" cy="365125"/>
+          </a:xfrm>
+        </p:spPr>
+        <p:txBody>
+          <a:bodyPr/>
+          <a:lstStyle/>
+          <a:p>
+            <a:pPr algn="l"/>
+            <a:r>
+              <a:rPr lang="en-US" sz="1800" dirty="0">
+                <a:solidFill>
+                  <a:schemeClr val="bg1"/>
+                </a:solidFill>
+              </a:rPr>
+              <a:t>Julian </a:t>
+            </a:r>
+            <a:r>
+              <a:rPr lang="en-US" sz="1800" dirty="0" err="1">
+                <a:solidFill>
+                  <a:schemeClr val="bg1"/>
+                </a:solidFill>
+              </a:rPr>
+              <a:t>Schallenmüller</a:t>
+            </a:r>
+            <a:r>
+              <a:rPr lang="en-US" sz="1800" dirty="0">
+                <a:solidFill>
+                  <a:schemeClr val="bg1"/>
+                </a:solidFill>
+              </a:rPr>
+              <a:t>                                                                 14.12.2021</a:t>
+            </a:r>
+            <a:endParaRPr lang="en-US" sz="1800" dirty="0">
+              <a:solidFill>
+                <a:schemeClr val="bg1"/>
+              </a:solidFill>
+              <a:cs typeface="Calibri"/>
+            </a:endParaRPr>
+          </a:p>
+        </p:txBody>
+      </p:sp>
+    </p:spTree>
+    <p:extLst>
+      <p:ext uri="{BB962C8B-B14F-4D97-AF65-F5344CB8AC3E}">
+        <p14:creationId xmlns:p14="http://schemas.microsoft.com/office/powerpoint/2010/main" val="2539768680"/>
       </p:ext>
     </p:extLst>
   </p:cSld>
@@ -8061,7 +9667,7 @@
                 </a:solidFill>
                 <a:cs typeface="Calibri"/>
               </a:rPr>
-              <a:t>2. Was versteht man unter Infrastructure </a:t>
+              <a:t>2. Was ist Infrastructure </a:t>
             </a:r>
             <a:r>
               <a:rPr lang="de-DE" sz="2800" dirty="0" err="1">
@@ -8081,7 +9687,6 @@
               </a:rPr>
               <a:t> Code?</a:t>
             </a:r>
-            <a:endParaRPr lang="en-US"/>
           </a:p>
         </p:txBody>
       </p:sp>
@@ -8099,8 +9704,8 @@
         </p:nvSpPr>
         <p:spPr>
           <a:xfrm>
-            <a:off x="532963" y="1923665"/>
-            <a:ext cx="11124996" cy="3964162"/>
+            <a:off x="532963" y="1716836"/>
+            <a:ext cx="11124996" cy="4480201"/>
           </a:xfrm>
           <a:prstGeom prst="rect">
             <a:avLst/>
@@ -8129,31 +9734,29 @@
                 <a:solidFill>
                   <a:srgbClr val="002060"/>
                 </a:solidFill>
-                <a:ea typeface="+mn-lt"/>
-                <a:cs typeface="+mn-lt"/>
-              </a:rPr>
-              <a:t>Infrastructure </a:t>
+                <a:cs typeface="Calibri" panose="020F0502020204030204"/>
+              </a:rPr>
+              <a:t>Alternativ lassen sich </a:t>
             </a:r>
             <a:r>
               <a:rPr lang="de-DE" sz="2800" dirty="0" err="1">
                 <a:solidFill>
                   <a:srgbClr val="002060"/>
                 </a:solidFill>
-                <a:ea typeface="+mn-lt"/>
-                <a:cs typeface="+mn-lt"/>
-              </a:rPr>
-              <a:t>as</a:t>
+                <a:cs typeface="Calibri" panose="020F0502020204030204"/>
+              </a:rPr>
+              <a:t>Resourcen</a:t>
             </a:r>
             <a:r>
               <a:rPr lang="de-DE" sz="2800" dirty="0">
                 <a:solidFill>
                   <a:srgbClr val="002060"/>
                 </a:solidFill>
-                <a:ea typeface="+mn-lt"/>
-                <a:cs typeface="+mn-lt"/>
-              </a:rPr>
-              <a:t> Code beschreibt einen Ansatz zur Automatisierung von Infrastruktur basierend auf Praktiken aus der Softwareentwicklung</a:t>
-            </a:r>
+                <a:cs typeface="Calibri" panose="020F0502020204030204"/>
+              </a:rPr>
+              <a:t> auch über das Terminal erstellen mit folgendem Befehl:</a:t>
+            </a:r>
+            <a:endParaRPr lang="en-US" dirty="0"/>
           </a:p>
           <a:p>
             <a:pPr>
@@ -8164,12 +9767,113 @@
                 <a:spcPts val="1000"/>
               </a:spcBef>
             </a:pPr>
-            <a:endParaRPr lang="de-DE" sz="2800" dirty="0">
-              <a:solidFill>
-                <a:srgbClr val="002060"/>
-              </a:solidFill>
-              <a:cs typeface="Calibri"/>
-            </a:endParaRPr>
+            <a:r>
+              <a:rPr lang="de-DE" sz="2800" dirty="0">
+                <a:latin typeface="Consolas"/>
+                <a:ea typeface="+mn-lt"/>
+                <a:cs typeface="+mn-lt"/>
+              </a:rPr>
+              <a:t>$ </a:t>
+            </a:r>
+            <a:r>
+              <a:rPr lang="de-DE" sz="2800" dirty="0" err="1">
+                <a:latin typeface="Consolas"/>
+                <a:ea typeface="+mn-lt"/>
+                <a:cs typeface="+mn-lt"/>
+              </a:rPr>
+              <a:t>gcloud</a:t>
+            </a:r>
+            <a:r>
+              <a:rPr lang="de-DE" sz="2800" dirty="0">
+                <a:latin typeface="Consolas"/>
+                <a:ea typeface="+mn-lt"/>
+                <a:cs typeface="+mn-lt"/>
+              </a:rPr>
+              <a:t> </a:t>
+            </a:r>
+            <a:r>
+              <a:rPr lang="de-DE" sz="2800" dirty="0" err="1">
+                <a:latin typeface="Consolas"/>
+                <a:ea typeface="+mn-lt"/>
+                <a:cs typeface="+mn-lt"/>
+              </a:rPr>
+              <a:t>compute</a:t>
+            </a:r>
+            <a:r>
+              <a:rPr lang="de-DE" sz="2800" dirty="0">
+                <a:latin typeface="Consolas"/>
+                <a:ea typeface="+mn-lt"/>
+                <a:cs typeface="+mn-lt"/>
+              </a:rPr>
+              <a:t> </a:t>
+            </a:r>
+            <a:r>
+              <a:rPr lang="de-DE" sz="2800" dirty="0" err="1">
+                <a:latin typeface="Consolas"/>
+                <a:ea typeface="+mn-lt"/>
+                <a:cs typeface="+mn-lt"/>
+              </a:rPr>
+              <a:t>instances</a:t>
+            </a:r>
+            <a:r>
+              <a:rPr lang="de-DE" sz="2800" dirty="0">
+                <a:latin typeface="Consolas"/>
+                <a:ea typeface="+mn-lt"/>
+                <a:cs typeface="+mn-lt"/>
+              </a:rPr>
+              <a:t> </a:t>
+            </a:r>
+            <a:r>
+              <a:rPr lang="de-DE" sz="2800" dirty="0" err="1">
+                <a:latin typeface="Consolas"/>
+                <a:ea typeface="+mn-lt"/>
+                <a:cs typeface="+mn-lt"/>
+              </a:rPr>
+              <a:t>create</a:t>
+            </a:r>
+            <a:r>
+              <a:rPr lang="de-DE" sz="2800" dirty="0">
+                <a:latin typeface="Consolas"/>
+                <a:ea typeface="+mn-lt"/>
+                <a:cs typeface="+mn-lt"/>
+              </a:rPr>
+              <a:t> </a:t>
+            </a:r>
+            <a:r>
+              <a:rPr lang="de-DE" sz="2800" dirty="0" err="1">
+                <a:latin typeface="Consolas"/>
+                <a:ea typeface="+mn-lt"/>
+                <a:cs typeface="+mn-lt"/>
+              </a:rPr>
+              <a:t>my-vm</a:t>
+            </a:r>
+            <a:r>
+              <a:rPr lang="de-DE" sz="2800" dirty="0">
+                <a:latin typeface="Consolas"/>
+                <a:ea typeface="+mn-lt"/>
+                <a:cs typeface="+mn-lt"/>
+              </a:rPr>
+              <a:t> \
+    --image=IMAGE_NAME\
+    --image-project=IMAGE_PROJECT \
+    --</a:t>
+            </a:r>
+            <a:r>
+              <a:rPr lang="de-DE" sz="2800" dirty="0" err="1">
+                <a:latin typeface="Consolas"/>
+                <a:ea typeface="+mn-lt"/>
+                <a:cs typeface="+mn-lt"/>
+              </a:rPr>
+              <a:t>machine</a:t>
+            </a:r>
+            <a:r>
+              <a:rPr lang="de-DE" sz="2800" dirty="0">
+                <a:latin typeface="Consolas"/>
+                <a:ea typeface="+mn-lt"/>
+                <a:cs typeface="+mn-lt"/>
+              </a:rPr>
+              <a:t>-type=MACHINE_TYPE</a:t>
+            </a:r>
           </a:p>
           <a:p>
             <a:pPr>
@@ -8181,23 +9885,21 @@
               </a:spcBef>
             </a:pPr>
             <a:r>
-              <a:rPr lang="de-DE" sz="2800" dirty="0" err="1">
+              <a:rPr lang="de-DE" sz="2800" dirty="0">
                 <a:solidFill>
                   <a:srgbClr val="002060"/>
                 </a:solidFill>
-                <a:cs typeface="Calibri"/>
-              </a:rPr>
-              <a:t>Kief</a:t>
-            </a:r>
-            <a:r>
-              <a:rPr lang="de-DE" sz="2800" dirty="0">
-                <a:solidFill>
-                  <a:srgbClr val="002060"/>
-                </a:solidFill>
-                <a:cs typeface="Calibri"/>
-              </a:rPr>
-              <a:t> Morris' Core Practices:</a:t>
-            </a:r>
+                <a:ea typeface="+mn-lt"/>
+                <a:cs typeface="+mn-lt"/>
+              </a:rPr>
+              <a:t>Und anpassen:</a:t>
+            </a:r>
+            <a:endParaRPr lang="de-DE" sz="2800" dirty="0">
+              <a:solidFill>
+                <a:srgbClr val="002060"/>
+              </a:solidFill>
+              <a:cs typeface="Calibri"/>
+            </a:endParaRPr>
           </a:p>
           <a:p>
             <a:pPr>
@@ -8208,167 +9910,110 @@
                 <a:spcPts val="1000"/>
               </a:spcBef>
             </a:pPr>
-            <a:endParaRPr lang="de-DE" sz="2800" dirty="0">
-              <a:solidFill>
-                <a:srgbClr val="002060"/>
-              </a:solidFill>
-              <a:cs typeface="Calibri"/>
-            </a:endParaRPr>
-          </a:p>
-          <a:p>
-            <a:pPr marL="514350" indent="-514350">
-              <a:lnSpc>
-                <a:spcPct val="90000"/>
-              </a:lnSpc>
-              <a:spcBef>
-                <a:spcPts val="1000"/>
-              </a:spcBef>
-              <a:buAutoNum type="arabicPeriod"/>
-            </a:pPr>
+            <a:r>
+              <a:rPr lang="de-DE" sz="2800" dirty="0">
+                <a:latin typeface="Consolas"/>
+                <a:ea typeface="+mn-lt"/>
+                <a:cs typeface="+mn-lt"/>
+              </a:rPr>
+              <a:t>$ </a:t>
+            </a:r>
             <a:r>
               <a:rPr lang="de-DE" sz="2800" dirty="0" err="1">
-                <a:solidFill>
-                  <a:srgbClr val="002060"/>
-                </a:solidFill>
-                <a:cs typeface="Calibri"/>
-              </a:rPr>
-              <a:t>Define</a:t>
+                <a:latin typeface="Consolas"/>
+                <a:ea typeface="+mn-lt"/>
+                <a:cs typeface="+mn-lt"/>
+              </a:rPr>
+              <a:t>gcloud</a:t>
             </a:r>
             <a:r>
               <a:rPr lang="de-DE" sz="2800" dirty="0">
-                <a:solidFill>
-                  <a:srgbClr val="002060"/>
-                </a:solidFill>
-                <a:cs typeface="Calibri"/>
+                <a:latin typeface="Consolas"/>
+                <a:ea typeface="+mn-lt"/>
+                <a:cs typeface="+mn-lt"/>
               </a:rPr>
               <a:t> </a:t>
             </a:r>
             <a:r>
               <a:rPr lang="de-DE" sz="2800" dirty="0" err="1">
-                <a:solidFill>
-                  <a:srgbClr val="002060"/>
-                </a:solidFill>
-                <a:cs typeface="Calibri"/>
-              </a:rPr>
-              <a:t>everything</a:t>
+                <a:latin typeface="Consolas"/>
+                <a:ea typeface="+mn-lt"/>
+                <a:cs typeface="+mn-lt"/>
+              </a:rPr>
+              <a:t>compute</a:t>
             </a:r>
             <a:r>
               <a:rPr lang="de-DE" sz="2800" dirty="0">
-                <a:solidFill>
-                  <a:srgbClr val="002060"/>
-                </a:solidFill>
-                <a:cs typeface="Calibri"/>
+                <a:latin typeface="Consolas"/>
+                <a:ea typeface="+mn-lt"/>
+                <a:cs typeface="+mn-lt"/>
               </a:rPr>
               <a:t> </a:t>
             </a:r>
             <a:r>
               <a:rPr lang="de-DE" sz="2800" dirty="0" err="1">
-                <a:solidFill>
-                  <a:srgbClr val="002060"/>
-                </a:solidFill>
-                <a:cs typeface="Calibri"/>
-              </a:rPr>
-              <a:t>as</a:t>
+                <a:latin typeface="Consolas"/>
+                <a:ea typeface="+mn-lt"/>
+                <a:cs typeface="+mn-lt"/>
+              </a:rPr>
+              <a:t>instances</a:t>
             </a:r>
             <a:r>
               <a:rPr lang="de-DE" sz="2800" dirty="0">
-                <a:solidFill>
-                  <a:srgbClr val="002060"/>
-                </a:solidFill>
-                <a:cs typeface="Calibri"/>
-              </a:rPr>
-              <a:t> code</a:t>
-            </a:r>
-          </a:p>
-          <a:p>
-            <a:pPr marL="514350" indent="-514350">
-              <a:lnSpc>
-                <a:spcPct val="90000"/>
-              </a:lnSpc>
-              <a:spcBef>
-                <a:spcPts val="1000"/>
-              </a:spcBef>
-              <a:buAutoNum type="arabicPeriod"/>
-            </a:pPr>
+                <a:latin typeface="Consolas"/>
+                <a:ea typeface="+mn-lt"/>
+                <a:cs typeface="+mn-lt"/>
+              </a:rPr>
+              <a:t> </a:t>
+            </a:r>
             <a:r>
               <a:rPr lang="de-DE" sz="2800" dirty="0" err="1">
-                <a:solidFill>
-                  <a:srgbClr val="002060"/>
-                </a:solidFill>
-                <a:cs typeface="Calibri"/>
-              </a:rPr>
-              <a:t>Continously</a:t>
+                <a:latin typeface="Consolas"/>
+                <a:ea typeface="+mn-lt"/>
+                <a:cs typeface="+mn-lt"/>
+              </a:rPr>
+              <a:t>set</a:t>
             </a:r>
             <a:r>
               <a:rPr lang="de-DE" sz="2800" dirty="0">
-                <a:solidFill>
-                  <a:srgbClr val="002060"/>
-                </a:solidFill>
-                <a:cs typeface="Calibri"/>
-              </a:rPr>
-              <a:t> </a:t>
+                <a:latin typeface="Consolas"/>
+                <a:ea typeface="+mn-lt"/>
+                <a:cs typeface="+mn-lt"/>
+              </a:rPr>
+              <a:t>-</a:t>
             </a:r>
             <a:r>
               <a:rPr lang="de-DE" sz="2800" dirty="0" err="1">
-                <a:solidFill>
-                  <a:srgbClr val="002060"/>
-                </a:solidFill>
-                <a:cs typeface="Calibri"/>
-              </a:rPr>
-              <a:t>test</a:t>
+                <a:latin typeface="Consolas"/>
+                <a:ea typeface="+mn-lt"/>
+                <a:cs typeface="+mn-lt"/>
+              </a:rPr>
+              <a:t>machine</a:t>
             </a:r>
             <a:r>
               <a:rPr lang="de-DE" sz="2800" dirty="0">
-                <a:solidFill>
-                  <a:srgbClr val="002060"/>
-                </a:solidFill>
-                <a:cs typeface="Calibri"/>
-              </a:rPr>
-              <a:t> and </a:t>
+                <a:latin typeface="Consolas"/>
+                <a:ea typeface="+mn-lt"/>
+                <a:cs typeface="+mn-lt"/>
+              </a:rPr>
+              <a:t>-type VM_NAME \
+    --</a:t>
             </a:r>
             <a:r>
               <a:rPr lang="de-DE" sz="2800" dirty="0" err="1">
-                <a:solidFill>
-                  <a:srgbClr val="002060"/>
-                </a:solidFill>
-                <a:cs typeface="Calibri"/>
-              </a:rPr>
-              <a:t>deliver</a:t>
-            </a:r>
-            <a:endParaRPr lang="de-DE" sz="2800" dirty="0">
-              <a:solidFill>
-                <a:srgbClr val="002060"/>
-              </a:solidFill>
-              <a:cs typeface="Calibri"/>
-            </a:endParaRPr>
-          </a:p>
-          <a:p>
-            <a:pPr marL="514350" indent="-514350">
-              <a:lnSpc>
-                <a:spcPct val="90000"/>
-              </a:lnSpc>
-              <a:spcBef>
-                <a:spcPts val="1000"/>
-              </a:spcBef>
-              <a:buAutoNum type="arabicPeriod"/>
-            </a:pPr>
+                <a:latin typeface="Consolas"/>
+                <a:ea typeface="+mn-lt"/>
+                <a:cs typeface="+mn-lt"/>
+              </a:rPr>
+              <a:t>machine</a:t>
+            </a:r>
             <a:r>
               <a:rPr lang="de-DE" sz="2800" dirty="0">
-                <a:solidFill>
-                  <a:srgbClr val="002060"/>
-                </a:solidFill>
-                <a:cs typeface="Calibri"/>
-              </a:rPr>
-              <a:t>Small, simple </a:t>
-            </a:r>
-            <a:r>
-              <a:rPr lang="de-DE" sz="2800" dirty="0" err="1">
-                <a:solidFill>
-                  <a:srgbClr val="002060"/>
-                </a:solidFill>
-                <a:cs typeface="Calibri"/>
-              </a:rPr>
-              <a:t>pieces</a:t>
+                <a:latin typeface="Consolas"/>
+                <a:ea typeface="+mn-lt"/>
+                <a:cs typeface="+mn-lt"/>
+              </a:rPr>
+              <a:t>-type NEW_MACHINE_TYPE</a:t>
             </a:r>
           </a:p>
         </p:txBody>
@@ -8479,7 +10124,7 @@
     </p:spTree>
     <p:extLst>
       <p:ext uri="{BB962C8B-B14F-4D97-AF65-F5344CB8AC3E}">
-        <p14:creationId xmlns:p14="http://schemas.microsoft.com/office/powerpoint/2010/main" val="596403100"/>
+        <p14:creationId xmlns:p14="http://schemas.microsoft.com/office/powerpoint/2010/main" val="3683117219"/>
       </p:ext>
     </p:extLst>
   </p:cSld>
@@ -8761,7 +10406,7 @@
         <p:spPr>
           <a:xfrm>
             <a:off x="532963" y="1923665"/>
-            <a:ext cx="11124996" cy="480131"/>
+            <a:ext cx="11124996" cy="3964162"/>
           </a:xfrm>
           <a:prstGeom prst="rect">
             <a:avLst/>
@@ -8776,6 +10421,46 @@
             <a:spAutoFit/>
           </a:bodyPr>
           <a:lstStyle/>
+          <a:p>
+            <a:pPr>
+              <a:lnSpc>
+                <a:spcPct val="90000"/>
+              </a:lnSpc>
+              <a:spcBef>
+                <a:spcPts val="1000"/>
+              </a:spcBef>
+            </a:pPr>
+            <a:r>
+              <a:rPr lang="de-DE" sz="2800" dirty="0">
+                <a:solidFill>
+                  <a:srgbClr val="002060"/>
+                </a:solidFill>
+                <a:ea typeface="+mn-lt"/>
+                <a:cs typeface="+mn-lt"/>
+              </a:rPr>
+              <a:t>Infrastructure </a:t>
+            </a:r>
+            <a:r>
+              <a:rPr lang="de-DE" sz="2800" dirty="0" err="1">
+                <a:solidFill>
+                  <a:srgbClr val="002060"/>
+                </a:solidFill>
+                <a:ea typeface="+mn-lt"/>
+                <a:cs typeface="+mn-lt"/>
+              </a:rPr>
+              <a:t>as</a:t>
+            </a:r>
+            <a:r>
+              <a:rPr lang="de-DE" sz="2800" dirty="0">
+                <a:solidFill>
+                  <a:srgbClr val="002060"/>
+                </a:solidFill>
+                <a:ea typeface="+mn-lt"/>
+                <a:cs typeface="+mn-lt"/>
+              </a:rPr>
+              <a:t> Code beschreibt einen Ansatz zur Automatisierung von Infrastruktur basierend auf Praktiken aus der Softwareentwicklung</a:t>
+            </a:r>
+          </a:p>
           <a:p>
             <a:pPr>
               <a:lnSpc>
@@ -8792,6 +10477,206 @@
               <a:cs typeface="Calibri"/>
             </a:endParaRPr>
           </a:p>
+          <a:p>
+            <a:pPr>
+              <a:lnSpc>
+                <a:spcPct val="90000"/>
+              </a:lnSpc>
+              <a:spcBef>
+                <a:spcPts val="1000"/>
+              </a:spcBef>
+            </a:pPr>
+            <a:r>
+              <a:rPr lang="de-DE" sz="2800" dirty="0" err="1">
+                <a:solidFill>
+                  <a:srgbClr val="002060"/>
+                </a:solidFill>
+                <a:cs typeface="Calibri"/>
+              </a:rPr>
+              <a:t>Kief</a:t>
+            </a:r>
+            <a:r>
+              <a:rPr lang="de-DE" sz="2800" dirty="0">
+                <a:solidFill>
+                  <a:srgbClr val="002060"/>
+                </a:solidFill>
+                <a:cs typeface="Calibri"/>
+              </a:rPr>
+              <a:t> Morris' Core Practices:</a:t>
+            </a:r>
+          </a:p>
+          <a:p>
+            <a:pPr>
+              <a:lnSpc>
+                <a:spcPct val="90000"/>
+              </a:lnSpc>
+              <a:spcBef>
+                <a:spcPts val="1000"/>
+              </a:spcBef>
+            </a:pPr>
+            <a:endParaRPr lang="de-DE" sz="2800" dirty="0">
+              <a:solidFill>
+                <a:srgbClr val="002060"/>
+              </a:solidFill>
+              <a:cs typeface="Calibri"/>
+            </a:endParaRPr>
+          </a:p>
+          <a:p>
+            <a:pPr marL="514350" indent="-514350">
+              <a:lnSpc>
+                <a:spcPct val="90000"/>
+              </a:lnSpc>
+              <a:spcBef>
+                <a:spcPts val="1000"/>
+              </a:spcBef>
+              <a:buAutoNum type="arabicPeriod"/>
+            </a:pPr>
+            <a:r>
+              <a:rPr lang="de-DE" sz="2800" dirty="0" err="1">
+                <a:solidFill>
+                  <a:srgbClr val="002060"/>
+                </a:solidFill>
+                <a:cs typeface="Calibri"/>
+              </a:rPr>
+              <a:t>Define</a:t>
+            </a:r>
+            <a:r>
+              <a:rPr lang="de-DE" sz="2800" dirty="0">
+                <a:solidFill>
+                  <a:srgbClr val="002060"/>
+                </a:solidFill>
+                <a:cs typeface="Calibri"/>
+              </a:rPr>
+              <a:t> </a:t>
+            </a:r>
+            <a:r>
+              <a:rPr lang="de-DE" sz="2800" dirty="0" err="1">
+                <a:solidFill>
+                  <a:srgbClr val="002060"/>
+                </a:solidFill>
+                <a:cs typeface="Calibri"/>
+              </a:rPr>
+              <a:t>everything</a:t>
+            </a:r>
+            <a:r>
+              <a:rPr lang="de-DE" sz="2800" dirty="0">
+                <a:solidFill>
+                  <a:srgbClr val="002060"/>
+                </a:solidFill>
+                <a:cs typeface="Calibri"/>
+              </a:rPr>
+              <a:t> </a:t>
+            </a:r>
+            <a:r>
+              <a:rPr lang="de-DE" sz="2800" dirty="0" err="1">
+                <a:solidFill>
+                  <a:srgbClr val="002060"/>
+                </a:solidFill>
+                <a:cs typeface="Calibri"/>
+              </a:rPr>
+              <a:t>as</a:t>
+            </a:r>
+            <a:r>
+              <a:rPr lang="de-DE" sz="2800" dirty="0">
+                <a:solidFill>
+                  <a:srgbClr val="002060"/>
+                </a:solidFill>
+                <a:cs typeface="Calibri"/>
+              </a:rPr>
+              <a:t> code</a:t>
+            </a:r>
+          </a:p>
+          <a:p>
+            <a:pPr marL="514350" indent="-514350">
+              <a:lnSpc>
+                <a:spcPct val="90000"/>
+              </a:lnSpc>
+              <a:spcBef>
+                <a:spcPts val="1000"/>
+              </a:spcBef>
+              <a:buAutoNum type="arabicPeriod"/>
+            </a:pPr>
+            <a:r>
+              <a:rPr lang="de-DE" sz="2800" dirty="0" err="1">
+                <a:solidFill>
+                  <a:srgbClr val="002060"/>
+                </a:solidFill>
+                <a:cs typeface="Calibri"/>
+              </a:rPr>
+              <a:t>Continously</a:t>
+            </a:r>
+            <a:r>
+              <a:rPr lang="de-DE" sz="2800" dirty="0">
+                <a:solidFill>
+                  <a:srgbClr val="002060"/>
+                </a:solidFill>
+                <a:cs typeface="Calibri"/>
+              </a:rPr>
+              <a:t> </a:t>
+            </a:r>
+            <a:r>
+              <a:rPr lang="de-DE" sz="2800" dirty="0" err="1">
+                <a:solidFill>
+                  <a:srgbClr val="002060"/>
+                </a:solidFill>
+                <a:cs typeface="Calibri"/>
+              </a:rPr>
+              <a:t>test</a:t>
+            </a:r>
+            <a:r>
+              <a:rPr lang="de-DE" sz="2800" dirty="0">
+                <a:solidFill>
+                  <a:srgbClr val="002060"/>
+                </a:solidFill>
+                <a:cs typeface="Calibri"/>
+              </a:rPr>
+              <a:t> and </a:t>
+            </a:r>
+            <a:r>
+              <a:rPr lang="de-DE" sz="2800" dirty="0" err="1">
+                <a:solidFill>
+                  <a:srgbClr val="002060"/>
+                </a:solidFill>
+                <a:cs typeface="Calibri"/>
+              </a:rPr>
+              <a:t>deliver</a:t>
+            </a:r>
+            <a:endParaRPr lang="de-DE" sz="2800" dirty="0">
+              <a:solidFill>
+                <a:srgbClr val="002060"/>
+              </a:solidFill>
+              <a:cs typeface="Calibri"/>
+            </a:endParaRPr>
+          </a:p>
+          <a:p>
+            <a:pPr marL="514350" indent="-514350">
+              <a:lnSpc>
+                <a:spcPct val="90000"/>
+              </a:lnSpc>
+              <a:spcBef>
+                <a:spcPts val="1000"/>
+              </a:spcBef>
+              <a:buAutoNum type="arabicPeriod"/>
+            </a:pPr>
+            <a:r>
+              <a:rPr lang="de-DE" sz="2800" dirty="0">
+                <a:solidFill>
+                  <a:srgbClr val="002060"/>
+                </a:solidFill>
+                <a:cs typeface="Calibri"/>
+              </a:rPr>
+              <a:t>Small, simple </a:t>
+            </a:r>
+            <a:r>
+              <a:rPr lang="de-DE" sz="2800" dirty="0" err="1">
+                <a:solidFill>
+                  <a:srgbClr val="002060"/>
+                </a:solidFill>
+                <a:cs typeface="Calibri"/>
+              </a:rPr>
+              <a:t>pieces</a:t>
+            </a:r>
+          </a:p>
         </p:txBody>
       </p:sp>
       <p:sp>
@@ -8897,40 +10782,10 @@
           </a:p>
         </p:txBody>
       </p:sp>
-      <p:pic>
-        <p:nvPicPr>
-          <p:cNvPr id="2" name="Picture 2" descr="Diagram&#10;&#10;Description automatically generated">
-            <a:extLst>
-              <a:ext uri="{FF2B5EF4-FFF2-40B4-BE49-F238E27FC236}">
-                <a16:creationId xmlns:a16="http://schemas.microsoft.com/office/drawing/2014/main" id="{7F5AC9AC-D0CB-4628-9505-4DD313427126}"/>
-              </a:ext>
-            </a:extLst>
-          </p:cNvPr>
-          <p:cNvPicPr>
-            <a:picLocks noChangeAspect="1"/>
-          </p:cNvPicPr>
-          <p:nvPr/>
-        </p:nvPicPr>
-        <p:blipFill>
-          <a:blip r:embed="rId5"/>
-          <a:stretch>
-            <a:fillRect/>
-          </a:stretch>
-        </p:blipFill>
-        <p:spPr>
-          <a:xfrm>
-            <a:off x="1766047" y="1346526"/>
-            <a:ext cx="8654142" cy="4857792"/>
-          </a:xfrm>
-          <a:prstGeom prst="rect">
-            <a:avLst/>
-          </a:prstGeom>
-        </p:spPr>
-      </p:pic>
     </p:spTree>
     <p:extLst>
       <p:ext uri="{BB962C8B-B14F-4D97-AF65-F5344CB8AC3E}">
-        <p14:creationId xmlns:p14="http://schemas.microsoft.com/office/powerpoint/2010/main" val="3776433945"/>
+        <p14:creationId xmlns:p14="http://schemas.microsoft.com/office/powerpoint/2010/main" val="596403100"/>
       </p:ext>
     </p:extLst>
   </p:cSld>
@@ -9350,10 +11205,10 @@
       </p:sp>
       <p:pic>
         <p:nvPicPr>
-          <p:cNvPr id="3" name="Picture 9" descr="Diagram&#10;&#10;Description automatically generated">
-            <a:extLst>
-              <a:ext uri="{FF2B5EF4-FFF2-40B4-BE49-F238E27FC236}">
-                <a16:creationId xmlns:a16="http://schemas.microsoft.com/office/drawing/2014/main" id="{10F7E522-5512-4A71-BA4F-F038B74A4CAB}"/>
+          <p:cNvPr id="2" name="Picture 2" descr="Diagram&#10;&#10;Description automatically generated">
+            <a:extLst>
+              <a:ext uri="{FF2B5EF4-FFF2-40B4-BE49-F238E27FC236}">
+                <a16:creationId xmlns:a16="http://schemas.microsoft.com/office/drawing/2014/main" id="{7F5AC9AC-D0CB-4628-9505-4DD313427126}"/>
               </a:ext>
             </a:extLst>
           </p:cNvPr>
@@ -9370,8 +11225,8 @@
         </p:blipFill>
         <p:spPr>
           <a:xfrm>
-            <a:off x="3156857" y="1398134"/>
-            <a:ext cx="5878286" cy="4899933"/>
+            <a:off x="1766047" y="1346526"/>
+            <a:ext cx="8654142" cy="4857792"/>
           </a:xfrm>
           <a:prstGeom prst="rect">
             <a:avLst/>
@@ -9381,7 +11236,7 @@
     </p:spTree>
     <p:extLst>
       <p:ext uri="{BB962C8B-B14F-4D97-AF65-F5344CB8AC3E}">
-        <p14:creationId xmlns:p14="http://schemas.microsoft.com/office/powerpoint/2010/main" val="474764229"/>
+        <p14:creationId xmlns:p14="http://schemas.microsoft.com/office/powerpoint/2010/main" val="3776433945"/>
       </p:ext>
     </p:extLst>
   </p:cSld>
@@ -9624,7 +11479,7 @@
                 </a:solidFill>
                 <a:cs typeface="Calibri"/>
               </a:rPr>
-              <a:t>3. Welche Probleme löst Infrastructure </a:t>
+              <a:t>2. Was versteht man unter Infrastructure </a:t>
             </a:r>
             <a:r>
               <a:rPr lang="de-DE" sz="2800" dirty="0" err="1">
@@ -9662,8 +11517,8 @@
         </p:nvSpPr>
         <p:spPr>
           <a:xfrm>
-            <a:off x="532963" y="1716836"/>
-            <a:ext cx="11124996" cy="3060325"/>
+            <a:off x="532963" y="1923665"/>
+            <a:ext cx="11124996" cy="480131"/>
           </a:xfrm>
           <a:prstGeom prst="rect">
             <a:avLst/>
@@ -9687,159 +11542,12 @@
                 <a:spcPts val="1000"/>
               </a:spcBef>
             </a:pPr>
-            <a:r>
-              <a:rPr lang="de-DE" sz="2800" dirty="0">
-                <a:solidFill>
-                  <a:srgbClr val="002060"/>
-                </a:solidFill>
-                <a:cs typeface="Calibri" panose="020F0502020204030204"/>
-              </a:rPr>
-              <a:t>Probleme die durch manuelles Infrastruktur </a:t>
-            </a:r>
-            <a:r>
-              <a:rPr lang="de-DE" sz="2800" dirty="0" err="1">
-                <a:solidFill>
-                  <a:srgbClr val="002060"/>
-                </a:solidFill>
-                <a:cs typeface="Calibri" panose="020F0502020204030204"/>
-              </a:rPr>
-              <a:t>Provisioning</a:t>
-            </a:r>
-            <a:r>
-              <a:rPr lang="de-DE" sz="2800" dirty="0">
-                <a:solidFill>
-                  <a:srgbClr val="002060"/>
-                </a:solidFill>
-                <a:cs typeface="Calibri" panose="020F0502020204030204"/>
-              </a:rPr>
-              <a:t> entstehen:</a:t>
-            </a:r>
-          </a:p>
-          <a:p>
-            <a:pPr marL="457200" indent="-457200">
-              <a:lnSpc>
-                <a:spcPct val="90000"/>
-              </a:lnSpc>
-              <a:spcBef>
-                <a:spcPts val="1000"/>
-              </a:spcBef>
-              <a:buFont typeface="Arial"/>
-              <a:buChar char="•"/>
-            </a:pPr>
-            <a:r>
-              <a:rPr lang="de-DE" sz="2800" dirty="0" err="1">
-                <a:solidFill>
-                  <a:srgbClr val="002060"/>
-                </a:solidFill>
-                <a:latin typeface="Calibri"/>
-                <a:ea typeface="+mn-lt"/>
-                <a:cs typeface="+mn-lt"/>
-              </a:rPr>
-              <a:t>Configuration</a:t>
-            </a:r>
-            <a:r>
-              <a:rPr lang="de-DE" sz="2800" dirty="0">
-                <a:solidFill>
-                  <a:srgbClr val="002060"/>
-                </a:solidFill>
-                <a:latin typeface="Calibri"/>
-                <a:ea typeface="+mn-lt"/>
-                <a:cs typeface="+mn-lt"/>
-              </a:rPr>
-              <a:t> Drift</a:t>
-            </a:r>
-          </a:p>
-          <a:p>
-            <a:pPr marL="457200" indent="-457200">
-              <a:lnSpc>
-                <a:spcPct val="90000"/>
-              </a:lnSpc>
-              <a:spcBef>
-                <a:spcPts val="1000"/>
-              </a:spcBef>
-              <a:buFont typeface="Arial"/>
-              <a:buChar char="•"/>
-            </a:pPr>
-            <a:r>
-              <a:rPr lang="de-DE" sz="2800" dirty="0">
-                <a:solidFill>
-                  <a:srgbClr val="002060"/>
-                </a:solidFill>
-                <a:latin typeface="Calibri"/>
-                <a:ea typeface="+mn-lt"/>
-                <a:cs typeface="+mn-lt"/>
-              </a:rPr>
-              <a:t>Mangelhafte Dokumentation</a:t>
-            </a:r>
-          </a:p>
-          <a:p>
-            <a:pPr marL="457200" indent="-457200">
-              <a:lnSpc>
-                <a:spcPct val="90000"/>
-              </a:lnSpc>
-              <a:spcBef>
-                <a:spcPts val="1000"/>
-              </a:spcBef>
-              <a:buFont typeface="Arial"/>
-              <a:buChar char="•"/>
-            </a:pPr>
-            <a:r>
-              <a:rPr lang="de-DE" sz="2800" dirty="0">
-                <a:solidFill>
-                  <a:srgbClr val="002060"/>
-                </a:solidFill>
-                <a:latin typeface="Calibri"/>
-                <a:ea typeface="+mn-lt"/>
-                <a:cs typeface="+mn-lt"/>
-              </a:rPr>
-              <a:t>Aufwändige manuelle Änderungen</a:t>
-            </a:r>
-          </a:p>
-          <a:p>
-            <a:pPr marL="457200" indent="-457200">
-              <a:lnSpc>
-                <a:spcPct val="90000"/>
-              </a:lnSpc>
-              <a:spcBef>
-                <a:spcPts val="1000"/>
-              </a:spcBef>
-              <a:buFont typeface="Arial"/>
-              <a:buChar char="•"/>
-            </a:pPr>
-            <a:r>
-              <a:rPr lang="de-DE" sz="2800" dirty="0">
-                <a:solidFill>
-                  <a:srgbClr val="002060"/>
-                </a:solidFill>
-                <a:latin typeface="Calibri"/>
-                <a:ea typeface="+mn-lt"/>
-                <a:cs typeface="+mn-lt"/>
-              </a:rPr>
-              <a:t>Fehlende Übersicht</a:t>
-            </a:r>
-          </a:p>
-          <a:p>
-            <a:pPr marL="457200" indent="-457200">
-              <a:lnSpc>
-                <a:spcPct val="90000"/>
-              </a:lnSpc>
-              <a:spcBef>
-                <a:spcPts val="1000"/>
-              </a:spcBef>
-              <a:buFont typeface="Arial"/>
-              <a:buChar char="•"/>
-            </a:pPr>
-            <a:r>
-              <a:rPr lang="de-DE" sz="2800" dirty="0">
-                <a:solidFill>
-                  <a:srgbClr val="002060"/>
-                </a:solidFill>
-                <a:latin typeface="Calibri"/>
-                <a:ea typeface="+mn-lt"/>
-                <a:cs typeface="+mn-lt"/>
-              </a:rPr>
-              <a:t>Schwierige Reproduzierbarkeit</a:t>
-            </a:r>
+            <a:endParaRPr lang="de-DE" sz="2800" dirty="0">
+              <a:solidFill>
+                <a:srgbClr val="002060"/>
+              </a:solidFill>
+              <a:cs typeface="Calibri"/>
+            </a:endParaRPr>
           </a:p>
         </p:txBody>
       </p:sp>
@@ -9946,10 +11654,40 @@
           </a:p>
         </p:txBody>
       </p:sp>
+      <p:pic>
+        <p:nvPicPr>
+          <p:cNvPr id="3" name="Picture 9" descr="Diagram&#10;&#10;Description automatically generated">
+            <a:extLst>
+              <a:ext uri="{FF2B5EF4-FFF2-40B4-BE49-F238E27FC236}">
+                <a16:creationId xmlns:a16="http://schemas.microsoft.com/office/drawing/2014/main" id="{10F7E522-5512-4A71-BA4F-F038B74A4CAB}"/>
+              </a:ext>
+            </a:extLst>
+          </p:cNvPr>
+          <p:cNvPicPr>
+            <a:picLocks noChangeAspect="1"/>
+          </p:cNvPicPr>
+          <p:nvPr/>
+        </p:nvPicPr>
+        <p:blipFill>
+          <a:blip r:embed="rId5"/>
+          <a:stretch>
+            <a:fillRect/>
+          </a:stretch>
+        </p:blipFill>
+        <p:spPr>
+          <a:xfrm>
+            <a:off x="3156857" y="1398134"/>
+            <a:ext cx="5878286" cy="4899933"/>
+          </a:xfrm>
+          <a:prstGeom prst="rect">
+            <a:avLst/>
+          </a:prstGeom>
+        </p:spPr>
+      </p:pic>
     </p:spTree>
     <p:extLst>
       <p:ext uri="{BB962C8B-B14F-4D97-AF65-F5344CB8AC3E}">
-        <p14:creationId xmlns:p14="http://schemas.microsoft.com/office/powerpoint/2010/main" val="2111807890"/>
+        <p14:creationId xmlns:p14="http://schemas.microsoft.com/office/powerpoint/2010/main" val="474764229"/>
       </p:ext>
     </p:extLst>
   </p:cSld>
@@ -10231,7 +11969,7 @@
         <p:spPr>
           <a:xfrm>
             <a:off x="532963" y="1716836"/>
-            <a:ext cx="11124996" cy="4480201"/>
+            <a:ext cx="11124996" cy="3060325"/>
           </a:xfrm>
           <a:prstGeom prst="rect">
             <a:avLst/>
@@ -10262,7 +12000,7 @@
                 </a:solidFill>
                 <a:cs typeface="Calibri" panose="020F0502020204030204"/>
               </a:rPr>
-              <a:t>Alternativ lassen sich </a:t>
+              <a:t>Probleme die durch manuelles Infrastruktur </a:t>
             </a:r>
             <a:r>
               <a:rPr lang="de-DE" sz="2800" dirty="0" err="1">
@@ -10271,7 +12009,7 @@
                 </a:solidFill>
                 <a:cs typeface="Calibri" panose="020F0502020204030204"/>
               </a:rPr>
-              <a:t>Resourcen</a:t>
+              <a:t>Provisioning</a:t>
             </a:r>
             <a:r>
               <a:rPr lang="de-DE" sz="2800" dirty="0">
@@ -10280,266 +12018,133 @@
                 </a:solidFill>
                 <a:cs typeface="Calibri" panose="020F0502020204030204"/>
               </a:rPr>
-              <a:t> auch über das Terminal erstellen mit folgendem Befehl:</a:t>
-            </a:r>
-            <a:endParaRPr lang="en-US" dirty="0"/>
-          </a:p>
-          <a:p>
-            <a:pPr>
+              <a:t> entstehen:</a:t>
+            </a:r>
+          </a:p>
+          <a:p>
+            <a:pPr marL="457200" indent="-457200">
               <a:lnSpc>
                 <a:spcPct val="90000"/>
               </a:lnSpc>
               <a:spcBef>
                 <a:spcPts val="1000"/>
               </a:spcBef>
+              <a:buFont typeface="Arial"/>
+              <a:buChar char="•"/>
             </a:pPr>
             <a:r>
-              <a:rPr lang="de-DE" sz="2800" dirty="0">
-                <a:latin typeface="Consolas"/>
+              <a:rPr lang="de-DE" sz="2800" dirty="0" err="1">
+                <a:solidFill>
+                  <a:srgbClr val="002060"/>
+                </a:solidFill>
+                <a:latin typeface="Calibri"/>
                 <a:ea typeface="+mn-lt"/>
                 <a:cs typeface="+mn-lt"/>
               </a:rPr>
-              <a:t>$ </a:t>
-            </a:r>
-            <a:r>
-              <a:rPr lang="de-DE" sz="2800" dirty="0" err="1">
-                <a:latin typeface="Consolas"/>
+              <a:t>Configuration</a:t>
+            </a:r>
+            <a:r>
+              <a:rPr lang="de-DE" sz="2800" dirty="0">
+                <a:solidFill>
+                  <a:srgbClr val="002060"/>
+                </a:solidFill>
+                <a:latin typeface="Calibri"/>
                 <a:ea typeface="+mn-lt"/>
                 <a:cs typeface="+mn-lt"/>
               </a:rPr>
-              <a:t>gcloud</a:t>
-            </a:r>
-            <a:r>
-              <a:rPr lang="de-DE" sz="2800" dirty="0">
-                <a:latin typeface="Consolas"/>
-                <a:ea typeface="+mn-lt"/>
-                <a:cs typeface="+mn-lt"/>
-              </a:rPr>
-              <a:t> </a:t>
-            </a:r>
-            <a:r>
-              <a:rPr lang="de-DE" sz="2800" dirty="0" err="1">
-                <a:latin typeface="Consolas"/>
-                <a:ea typeface="+mn-lt"/>
-                <a:cs typeface="+mn-lt"/>
-              </a:rPr>
-              <a:t>compute</a:t>
-            </a:r>
-            <a:r>
-              <a:rPr lang="de-DE" sz="2800" dirty="0">
-                <a:latin typeface="Consolas"/>
-                <a:ea typeface="+mn-lt"/>
-                <a:cs typeface="+mn-lt"/>
-              </a:rPr>
-              <a:t> </a:t>
-            </a:r>
-            <a:r>
-              <a:rPr lang="de-DE" sz="2800" dirty="0" err="1">
-                <a:latin typeface="Consolas"/>
-                <a:ea typeface="+mn-lt"/>
-                <a:cs typeface="+mn-lt"/>
-              </a:rPr>
-              <a:t>instances</a:t>
-            </a:r>
-            <a:r>
-              <a:rPr lang="de-DE" sz="2800" dirty="0">
-                <a:latin typeface="Consolas"/>
-                <a:ea typeface="+mn-lt"/>
-                <a:cs typeface="+mn-lt"/>
-              </a:rPr>
-              <a:t> </a:t>
-            </a:r>
-            <a:r>
-              <a:rPr lang="de-DE" sz="2800" dirty="0" err="1">
-                <a:latin typeface="Consolas"/>
-                <a:ea typeface="+mn-lt"/>
-                <a:cs typeface="+mn-lt"/>
-              </a:rPr>
-              <a:t>create</a:t>
-            </a:r>
-            <a:r>
-              <a:rPr lang="de-DE" sz="2800" dirty="0">
-                <a:latin typeface="Consolas"/>
-                <a:ea typeface="+mn-lt"/>
-                <a:cs typeface="+mn-lt"/>
-              </a:rPr>
-              <a:t> </a:t>
-            </a:r>
-            <a:r>
-              <a:rPr lang="de-DE" sz="2800" dirty="0" err="1">
-                <a:latin typeface="Consolas"/>
-                <a:ea typeface="+mn-lt"/>
-                <a:cs typeface="+mn-lt"/>
-              </a:rPr>
-              <a:t>my-vm</a:t>
-            </a:r>
-            <a:r>
-              <a:rPr lang="de-DE" sz="2800" dirty="0">
-                <a:latin typeface="Consolas"/>
-                <a:ea typeface="+mn-lt"/>
-                <a:cs typeface="+mn-lt"/>
-              </a:rPr>
-              <a:t> \
-    --image=""\
-    --image-project=IMAGE_PROJECT \
-    --</a:t>
-            </a:r>
-            <a:r>
-              <a:rPr lang="de-DE" sz="2800" dirty="0" err="1">
-                <a:latin typeface="Consolas"/>
-                <a:ea typeface="+mn-lt"/>
-                <a:cs typeface="+mn-lt"/>
-              </a:rPr>
-              <a:t>machine</a:t>
-            </a:r>
-            <a:r>
-              <a:rPr lang="de-DE" sz="2800" dirty="0">
-                <a:latin typeface="Consolas"/>
-                <a:ea typeface="+mn-lt"/>
-                <a:cs typeface="+mn-lt"/>
-              </a:rPr>
-              <a:t>-type=MACHINE_TYPE</a:t>
-            </a:r>
-          </a:p>
-          <a:p>
-            <a:pPr>
+              <a:t> Drift</a:t>
+            </a:r>
+          </a:p>
+          <a:p>
+            <a:pPr marL="457200" indent="-457200">
               <a:lnSpc>
                 <a:spcPct val="90000"/>
               </a:lnSpc>
               <a:spcBef>
                 <a:spcPts val="1000"/>
               </a:spcBef>
+              <a:buFont typeface="Arial"/>
+              <a:buChar char="•"/>
             </a:pPr>
             <a:r>
               <a:rPr lang="de-DE" sz="2800" dirty="0">
                 <a:solidFill>
                   <a:srgbClr val="002060"/>
                 </a:solidFill>
+                <a:latin typeface="Calibri"/>
                 <a:ea typeface="+mn-lt"/>
                 <a:cs typeface="+mn-lt"/>
               </a:rPr>
-              <a:t>Und anpassen:</a:t>
-            </a:r>
-            <a:endParaRPr lang="de-DE" sz="2800" dirty="0">
-              <a:solidFill>
-                <a:srgbClr val="002060"/>
-              </a:solidFill>
-              <a:cs typeface="Calibri"/>
-            </a:endParaRPr>
-          </a:p>
-          <a:p>
-            <a:pPr>
+              <a:t>Mangelhafte Dokumentation</a:t>
+            </a:r>
+          </a:p>
+          <a:p>
+            <a:pPr marL="457200" indent="-457200">
               <a:lnSpc>
                 <a:spcPct val="90000"/>
               </a:lnSpc>
               <a:spcBef>
                 <a:spcPts val="1000"/>
               </a:spcBef>
+              <a:buFont typeface="Arial"/>
+              <a:buChar char="•"/>
             </a:pPr>
             <a:r>
-              <a:rPr lang="de-DE" sz="2800" u="sng" dirty="0">
-                <a:latin typeface="Consolas"/>
+              <a:rPr lang="de-DE" sz="2800" dirty="0">
+                <a:solidFill>
+                  <a:srgbClr val="002060"/>
+                </a:solidFill>
+                <a:latin typeface="Calibri"/>
                 <a:ea typeface="+mn-lt"/>
                 <a:cs typeface="+mn-lt"/>
               </a:rPr>
-              <a:t>$ </a:t>
-            </a:r>
-            <a:r>
-              <a:rPr lang="de-DE" sz="2800" dirty="0" err="1">
-                <a:latin typeface="Consolas"/>
+              <a:t>Aufwändige manuelle Änderungen</a:t>
+            </a:r>
+          </a:p>
+          <a:p>
+            <a:pPr marL="457200" indent="-457200">
+              <a:lnSpc>
+                <a:spcPct val="90000"/>
+              </a:lnSpc>
+              <a:spcBef>
+                <a:spcPts val="1000"/>
+              </a:spcBef>
+              <a:buFont typeface="Arial"/>
+              <a:buChar char="•"/>
+            </a:pPr>
+            <a:r>
+              <a:rPr lang="de-DE" sz="2800" dirty="0">
+                <a:solidFill>
+                  <a:srgbClr val="002060"/>
+                </a:solidFill>
+                <a:latin typeface="Calibri"/>
                 <a:ea typeface="+mn-lt"/>
                 <a:cs typeface="+mn-lt"/>
               </a:rPr>
-              <a:t>gcloud</a:t>
-            </a:r>
+              <a:t>Fehlende Übersicht</a:t>
+            </a:r>
+          </a:p>
+          <a:p>
+            <a:pPr marL="457200" indent="-457200">
+              <a:lnSpc>
+                <a:spcPct val="90000"/>
+              </a:lnSpc>
+              <a:spcBef>
+                <a:spcPts val="1000"/>
+              </a:spcBef>
+              <a:buFont typeface="Arial"/>
+              <a:buChar char="•"/>
+            </a:pPr>
             <a:r>
               <a:rPr lang="de-DE" sz="2800" dirty="0">
-                <a:latin typeface="Consolas"/>
+                <a:solidFill>
+                  <a:srgbClr val="002060"/>
+                </a:solidFill>
+                <a:latin typeface="Calibri"/>
                 <a:ea typeface="+mn-lt"/>
                 <a:cs typeface="+mn-lt"/>
               </a:rPr>
-              <a:t> </a:t>
-            </a:r>
-            <a:r>
-              <a:rPr lang="de-DE" sz="2800" dirty="0" err="1">
-                <a:latin typeface="Consolas"/>
-                <a:ea typeface="+mn-lt"/>
-                <a:cs typeface="+mn-lt"/>
-              </a:rPr>
-              <a:t>compute</a:t>
-            </a:r>
-            <a:r>
-              <a:rPr lang="de-DE" sz="2800" dirty="0">
-                <a:latin typeface="Consolas"/>
-                <a:ea typeface="+mn-lt"/>
-                <a:cs typeface="+mn-lt"/>
-              </a:rPr>
-              <a:t> </a:t>
-            </a:r>
-            <a:r>
-              <a:rPr lang="de-DE" sz="2800" dirty="0" err="1">
-                <a:latin typeface="Consolas"/>
-                <a:ea typeface="+mn-lt"/>
-                <a:cs typeface="+mn-lt"/>
-              </a:rPr>
-              <a:t>instances</a:t>
-            </a:r>
-            <a:r>
-              <a:rPr lang="de-DE" sz="2800" dirty="0">
-                <a:latin typeface="Consolas"/>
-                <a:ea typeface="+mn-lt"/>
-                <a:cs typeface="+mn-lt"/>
-              </a:rPr>
-              <a:t> </a:t>
-            </a:r>
-            <a:r>
-              <a:rPr lang="de-DE" sz="2800" dirty="0" err="1">
-                <a:latin typeface="Consolas"/>
-                <a:ea typeface="+mn-lt"/>
-                <a:cs typeface="+mn-lt"/>
-              </a:rPr>
-              <a:t>set</a:t>
-            </a:r>
-            <a:r>
-              <a:rPr lang="de-DE" sz="2800" dirty="0">
-                <a:latin typeface="Consolas"/>
-                <a:ea typeface="+mn-lt"/>
-                <a:cs typeface="+mn-lt"/>
-              </a:rPr>
-              <a:t>-</a:t>
-            </a:r>
-            <a:r>
-              <a:rPr lang="de-DE" sz="2800" dirty="0" err="1">
-                <a:latin typeface="Consolas"/>
-                <a:ea typeface="+mn-lt"/>
-                <a:cs typeface="+mn-lt"/>
-              </a:rPr>
-              <a:t>machine</a:t>
-            </a:r>
-            <a:r>
-              <a:rPr lang="de-DE" sz="2800" dirty="0">
-                <a:latin typeface="Consolas"/>
-                <a:ea typeface="+mn-lt"/>
-                <a:cs typeface="+mn-lt"/>
-              </a:rPr>
-              <a:t>-type VM_NAME \
-    --</a:t>
-            </a:r>
-            <a:r>
-              <a:rPr lang="de-DE" sz="2800" dirty="0" err="1">
-                <a:latin typeface="Consolas"/>
-                <a:ea typeface="+mn-lt"/>
-                <a:cs typeface="+mn-lt"/>
-              </a:rPr>
-              <a:t>machine</a:t>
-            </a:r>
-            <a:r>
-              <a:rPr lang="de-DE" sz="2800" dirty="0">
-                <a:latin typeface="Consolas"/>
-                <a:ea typeface="+mn-lt"/>
-                <a:cs typeface="+mn-lt"/>
-              </a:rPr>
-              <a:t>-type NEW_MACHINE_TYPE</a:t>
+              <a:t>Schwierige Reproduzierbarkeit</a:t>
             </a:r>
           </a:p>
         </p:txBody>
@@ -10650,7 +12255,7 @@
     </p:spTree>
     <p:extLst>
       <p:ext uri="{BB962C8B-B14F-4D97-AF65-F5344CB8AC3E}">
-        <p14:creationId xmlns:p14="http://schemas.microsoft.com/office/powerpoint/2010/main" val="3683117219"/>
+        <p14:creationId xmlns:p14="http://schemas.microsoft.com/office/powerpoint/2010/main" val="2111807890"/>
       </p:ext>
     </p:extLst>
   </p:cSld>
